--- a/updated KO.pptx
+++ b/updated KO.pptx
@@ -38,11 +38,18 @@
   <p:notesSz cx="6858000" cy="9144000"/>
   <p:embeddedFontLst>
     <p:embeddedFont>
-      <p:font typeface="Raleway" panose="020B0604020202020204" charset="0"/>
+      <p:font typeface="Calibri" panose="020F0502020204030204" pitchFamily="34" charset="0"/>
       <p:regular r:id="rId30"/>
       <p:bold r:id="rId31"/>
       <p:italic r:id="rId32"/>
       <p:boldItalic r:id="rId33"/>
+    </p:embeddedFont>
+    <p:embeddedFont>
+      <p:font typeface="Raleway" panose="020B0604020202020204" charset="0"/>
+      <p:regular r:id="rId34"/>
+      <p:bold r:id="rId35"/>
+      <p:italic r:id="rId36"/>
+      <p:boldItalic r:id="rId37"/>
     </p:embeddedFont>
   </p:embeddedFontLst>
   <p:defaultTextStyle>
@@ -148,6 +155,11 @@
             <a:srgbClr val="A4A3A4"/>
           </p15:clr>
         </p15:guide>
+        <p15:guide id="2" orient="horz" pos="2160">
+          <p15:clr>
+            <a:srgbClr val="A4A3A4"/>
+          </p15:clr>
+        </p15:guide>
       </p15:sldGuideLst>
     </p:ext>
   </p:extLst>
@@ -248,7 +260,7 @@
           </a:lstStyle>
           <a:p>
             <a:r>
-              <a:rPr lang="en-US" smtClean="0"/>
+              <a:rPr lang="en-US"/>
               <a:t>Click to edit Master title style</a:t>
             </a:r>
             <a:endParaRPr lang="en-US" dirty="0"/>
@@ -320,7 +332,7 @@
           </a:lstStyle>
           <a:p>
             <a:r>
-              <a:rPr lang="en-US" smtClean="0"/>
+              <a:rPr lang="en-US"/>
               <a:t>Click to edit Master subtitle style</a:t>
             </a:r>
             <a:endParaRPr lang="en-US" dirty="0"/>
@@ -354,7 +366,7 @@
           <a:p>
             <a:fld id="{1FD00883-6618-4816-A7E8-192F7908481C}" type="datetimeFigureOut">
               <a:rPr lang="en-US" smtClean="0"/>
-              <a:t>1/5/2019</a:t>
+              <a:t>06-Jan-19</a:t>
             </a:fld>
             <a:endParaRPr lang="en-US"/>
           </a:p>
@@ -432,13 +444,6 @@
   <p:clrMapOvr>
     <a:masterClrMapping/>
   </p:clrMapOvr>
-  <p:timing>
-    <p:tnLst>
-      <p:par>
-        <p:cTn id="1" dur="indefinite" restart="never" nodeType="tmRoot"/>
-      </p:par>
-    </p:tnLst>
-  </p:timing>
 </p:sldLayout>
 </file>
 
@@ -475,7 +480,7 @@
           <a:lstStyle/>
           <a:p>
             <a:r>
-              <a:rPr lang="en-US" smtClean="0"/>
+              <a:rPr lang="en-US"/>
               <a:t>Click to edit Master title style</a:t>
             </a:r>
             <a:endParaRPr lang="en-US" dirty="0"/>
@@ -499,35 +504,35 @@
           <a:p>
             <a:pPr lvl="0"/>
             <a:r>
-              <a:rPr lang="en-US" smtClean="0"/>
+              <a:rPr lang="en-US"/>
               <a:t>Click to edit Master text styles</a:t>
             </a:r>
           </a:p>
           <a:p>
             <a:pPr lvl="1"/>
             <a:r>
-              <a:rPr lang="en-US" smtClean="0"/>
+              <a:rPr lang="en-US"/>
               <a:t>Second level</a:t>
             </a:r>
           </a:p>
           <a:p>
             <a:pPr lvl="2"/>
             <a:r>
-              <a:rPr lang="en-US" smtClean="0"/>
+              <a:rPr lang="en-US"/>
               <a:t>Third level</a:t>
             </a:r>
           </a:p>
           <a:p>
             <a:pPr lvl="3"/>
             <a:r>
-              <a:rPr lang="en-US" smtClean="0"/>
+              <a:rPr lang="en-US"/>
               <a:t>Fourth level</a:t>
             </a:r>
           </a:p>
           <a:p>
             <a:pPr lvl="4"/>
             <a:r>
-              <a:rPr lang="en-US" smtClean="0"/>
+              <a:rPr lang="en-US"/>
               <a:t>Fifth level</a:t>
             </a:r>
             <a:endParaRPr lang="en-US" dirty="0"/>
@@ -551,7 +556,7 @@
           <a:p>
             <a:fld id="{1FD00883-6618-4816-A7E8-192F7908481C}" type="datetimeFigureOut">
               <a:rPr lang="en-US" smtClean="0"/>
-              <a:t>1/5/2019</a:t>
+              <a:t>06-Jan-19</a:t>
             </a:fld>
             <a:endParaRPr lang="en-US"/>
           </a:p>
@@ -609,13 +614,6 @@
   <p:clrMapOvr>
     <a:masterClrMapping/>
   </p:clrMapOvr>
-  <p:timing>
-    <p:tnLst>
-      <p:par>
-        <p:cTn id="1" dur="indefinite" restart="never" nodeType="tmRoot"/>
-      </p:par>
-    </p:tnLst>
-  </p:timing>
 </p:sldLayout>
 </file>
 
@@ -657,7 +655,7 @@
           <a:lstStyle/>
           <a:p>
             <a:r>
-              <a:rPr lang="en-US" smtClean="0"/>
+              <a:rPr lang="en-US"/>
               <a:t>Click to edit Master title style</a:t>
             </a:r>
             <a:endParaRPr lang="en-US" dirty="0"/>
@@ -686,35 +684,35 @@
           <a:p>
             <a:pPr lvl="0"/>
             <a:r>
-              <a:rPr lang="en-US" smtClean="0"/>
+              <a:rPr lang="en-US"/>
               <a:t>Click to edit Master text styles</a:t>
             </a:r>
           </a:p>
           <a:p>
             <a:pPr lvl="1"/>
             <a:r>
-              <a:rPr lang="en-US" smtClean="0"/>
+              <a:rPr lang="en-US"/>
               <a:t>Second level</a:t>
             </a:r>
           </a:p>
           <a:p>
             <a:pPr lvl="2"/>
             <a:r>
-              <a:rPr lang="en-US" smtClean="0"/>
+              <a:rPr lang="en-US"/>
               <a:t>Third level</a:t>
             </a:r>
           </a:p>
           <a:p>
             <a:pPr lvl="3"/>
             <a:r>
-              <a:rPr lang="en-US" smtClean="0"/>
+              <a:rPr lang="en-US"/>
               <a:t>Fourth level</a:t>
             </a:r>
           </a:p>
           <a:p>
             <a:pPr lvl="4"/>
             <a:r>
-              <a:rPr lang="en-US" smtClean="0"/>
+              <a:rPr lang="en-US"/>
               <a:t>Fifth level</a:t>
             </a:r>
             <a:endParaRPr lang="en-US" dirty="0"/>
@@ -738,7 +736,7 @@
           <a:p>
             <a:fld id="{1FD00883-6618-4816-A7E8-192F7908481C}" type="datetimeFigureOut">
               <a:rPr lang="en-US" smtClean="0"/>
-              <a:t>1/5/2019</a:t>
+              <a:t>06-Jan-19</a:t>
             </a:fld>
             <a:endParaRPr lang="en-US"/>
           </a:p>
@@ -796,13 +794,6 @@
   <p:clrMapOvr>
     <a:masterClrMapping/>
   </p:clrMapOvr>
-  <p:timing>
-    <p:tnLst>
-      <p:par>
-        <p:cTn id="1" dur="indefinite" restart="never" nodeType="tmRoot"/>
-      </p:par>
-    </p:tnLst>
-  </p:timing>
 </p:sldLayout>
 </file>
 
@@ -839,7 +830,7 @@
           <a:lstStyle/>
           <a:p>
             <a:r>
-              <a:rPr lang="en-US" smtClean="0"/>
+              <a:rPr lang="en-US"/>
               <a:t>Click to edit Master title style</a:t>
             </a:r>
             <a:endParaRPr lang="en-US" dirty="0"/>
@@ -863,35 +854,35 @@
           <a:p>
             <a:pPr lvl="0"/>
             <a:r>
-              <a:rPr lang="en-US" smtClean="0"/>
+              <a:rPr lang="en-US"/>
               <a:t>Click to edit Master text styles</a:t>
             </a:r>
           </a:p>
           <a:p>
             <a:pPr lvl="1"/>
             <a:r>
-              <a:rPr lang="en-US" smtClean="0"/>
+              <a:rPr lang="en-US"/>
               <a:t>Second level</a:t>
             </a:r>
           </a:p>
           <a:p>
             <a:pPr lvl="2"/>
             <a:r>
-              <a:rPr lang="en-US" smtClean="0"/>
+              <a:rPr lang="en-US"/>
               <a:t>Third level</a:t>
             </a:r>
           </a:p>
           <a:p>
             <a:pPr lvl="3"/>
             <a:r>
-              <a:rPr lang="en-US" smtClean="0"/>
+              <a:rPr lang="en-US"/>
               <a:t>Fourth level</a:t>
             </a:r>
           </a:p>
           <a:p>
             <a:pPr lvl="4"/>
             <a:r>
-              <a:rPr lang="en-US" smtClean="0"/>
+              <a:rPr lang="en-US"/>
               <a:t>Fifth level</a:t>
             </a:r>
             <a:endParaRPr lang="en-US" dirty="0"/>
@@ -915,7 +906,7 @@
           <a:p>
             <a:fld id="{1FD00883-6618-4816-A7E8-192F7908481C}" type="datetimeFigureOut">
               <a:rPr lang="en-US" smtClean="0"/>
-              <a:t>1/5/2019</a:t>
+              <a:t>06-Jan-19</a:t>
             </a:fld>
             <a:endParaRPr lang="en-US"/>
           </a:p>
@@ -973,13 +964,6 @@
   <p:clrMapOvr>
     <a:masterClrMapping/>
   </p:clrMapOvr>
-  <p:timing>
-    <p:tnLst>
-      <p:par>
-        <p:cTn id="1" dur="indefinite" restart="never" nodeType="tmRoot"/>
-      </p:par>
-    </p:tnLst>
-  </p:timing>
 </p:sldLayout>
 </file>
 
@@ -1034,7 +1018,7 @@
           </a:lstStyle>
           <a:p>
             <a:r>
-              <a:rPr lang="en-US" smtClean="0"/>
+              <a:rPr lang="en-US"/>
               <a:t>Click to edit Master title style</a:t>
             </a:r>
             <a:endParaRPr lang="en-US" dirty="0"/>
@@ -1155,7 +1139,7 @@
           <a:p>
             <a:pPr lvl="0"/>
             <a:r>
-              <a:rPr lang="en-US" smtClean="0"/>
+              <a:rPr lang="en-US"/>
               <a:t>Click to edit Master text styles</a:t>
             </a:r>
           </a:p>
@@ -1178,7 +1162,7 @@
           <a:p>
             <a:fld id="{1FD00883-6618-4816-A7E8-192F7908481C}" type="datetimeFigureOut">
               <a:rPr lang="en-US" smtClean="0"/>
-              <a:t>1/5/2019</a:t>
+              <a:t>06-Jan-19</a:t>
             </a:fld>
             <a:endParaRPr lang="en-US"/>
           </a:p>
@@ -1236,13 +1220,6 @@
   <p:clrMapOvr>
     <a:masterClrMapping/>
   </p:clrMapOvr>
-  <p:timing>
-    <p:tnLst>
-      <p:par>
-        <p:cTn id="1" dur="indefinite" restart="never" nodeType="tmRoot"/>
-      </p:par>
-    </p:tnLst>
-  </p:timing>
 </p:sldLayout>
 </file>
 
@@ -1279,7 +1256,7 @@
           <a:lstStyle/>
           <a:p>
             <a:r>
-              <a:rPr lang="en-US" smtClean="0"/>
+              <a:rPr lang="en-US"/>
               <a:t>Click to edit Master title style</a:t>
             </a:r>
             <a:endParaRPr lang="en-US" dirty="0"/>
@@ -1342,38 +1319,37 @@
           <a:p>
             <a:pPr lvl="0"/>
             <a:r>
-              <a:rPr lang="en-US" dirty="0" smtClean="0"/>
+              <a:rPr lang="en-US" dirty="0"/>
               <a:t>Click to edit Master text styles</a:t>
             </a:r>
           </a:p>
           <a:p>
             <a:pPr lvl="1"/>
             <a:r>
-              <a:rPr lang="en-US" dirty="0" smtClean="0"/>
+              <a:rPr lang="en-US" dirty="0"/>
               <a:t>Second level</a:t>
             </a:r>
           </a:p>
           <a:p>
             <a:pPr lvl="2"/>
             <a:r>
-              <a:rPr lang="en-US" dirty="0" smtClean="0"/>
+              <a:rPr lang="en-US" dirty="0"/>
               <a:t>Third level</a:t>
             </a:r>
           </a:p>
           <a:p>
             <a:pPr lvl="3"/>
             <a:r>
-              <a:rPr lang="en-US" dirty="0" smtClean="0"/>
+              <a:rPr lang="en-US" dirty="0"/>
               <a:t>Fourth level</a:t>
             </a:r>
           </a:p>
           <a:p>
             <a:pPr lvl="4"/>
             <a:r>
-              <a:rPr lang="en-US" dirty="0" smtClean="0"/>
+              <a:rPr lang="en-US" dirty="0"/>
               <a:t>Fifth level</a:t>
             </a:r>
-            <a:endParaRPr lang="en-US" dirty="0"/>
           </a:p>
         </p:txBody>
       </p:sp>
@@ -1433,38 +1409,37 @@
           <a:p>
             <a:pPr lvl="0"/>
             <a:r>
-              <a:rPr lang="en-US" dirty="0" smtClean="0"/>
+              <a:rPr lang="en-US" dirty="0"/>
               <a:t>Click to edit Master text styles</a:t>
             </a:r>
           </a:p>
           <a:p>
             <a:pPr lvl="1"/>
             <a:r>
-              <a:rPr lang="en-US" dirty="0" smtClean="0"/>
+              <a:rPr lang="en-US" dirty="0"/>
               <a:t>Second level</a:t>
             </a:r>
           </a:p>
           <a:p>
             <a:pPr lvl="2"/>
             <a:r>
-              <a:rPr lang="en-US" dirty="0" smtClean="0"/>
+              <a:rPr lang="en-US" dirty="0"/>
               <a:t>Third level</a:t>
             </a:r>
           </a:p>
           <a:p>
             <a:pPr lvl="3"/>
             <a:r>
-              <a:rPr lang="en-US" dirty="0" smtClean="0"/>
+              <a:rPr lang="en-US" dirty="0"/>
               <a:t>Fourth level</a:t>
             </a:r>
           </a:p>
           <a:p>
             <a:pPr lvl="4"/>
             <a:r>
-              <a:rPr lang="en-US" dirty="0" smtClean="0"/>
+              <a:rPr lang="en-US" dirty="0"/>
               <a:t>Fifth level</a:t>
             </a:r>
-            <a:endParaRPr lang="en-US" dirty="0"/>
           </a:p>
         </p:txBody>
       </p:sp>
@@ -1485,7 +1460,7 @@
           <a:p>
             <a:fld id="{1FD00883-6618-4816-A7E8-192F7908481C}" type="datetimeFigureOut">
               <a:rPr lang="en-US" smtClean="0"/>
-              <a:t>1/5/2019</a:t>
+              <a:t>06-Jan-19</a:t>
             </a:fld>
             <a:endParaRPr lang="en-US"/>
           </a:p>
@@ -1543,13 +1518,6 @@
   <p:clrMapOvr>
     <a:masterClrMapping/>
   </p:clrMapOvr>
-  <p:timing>
-    <p:tnLst>
-      <p:par>
-        <p:cTn id="1" dur="indefinite" restart="never" nodeType="tmRoot"/>
-      </p:par>
-    </p:tnLst>
-  </p:timing>
 </p:sldLayout>
 </file>
 
@@ -1586,7 +1554,7 @@
           <a:lstStyle/>
           <a:p>
             <a:r>
-              <a:rPr lang="en-US" smtClean="0"/>
+              <a:rPr lang="en-US"/>
               <a:t>Click to edit Master title style</a:t>
             </a:r>
             <a:endParaRPr lang="en-US" dirty="0"/>
@@ -1662,7 +1630,7 @@
           <a:p>
             <a:pPr lvl="0"/>
             <a:r>
-              <a:rPr lang="en-US" smtClean="0"/>
+              <a:rPr lang="en-US"/>
               <a:t>Click to edit Master text styles</a:t>
             </a:r>
           </a:p>
@@ -1718,35 +1686,35 @@
           <a:p>
             <a:pPr lvl="0"/>
             <a:r>
-              <a:rPr lang="en-US" smtClean="0"/>
+              <a:rPr lang="en-US"/>
               <a:t>Click to edit Master text styles</a:t>
             </a:r>
           </a:p>
           <a:p>
             <a:pPr lvl="1"/>
             <a:r>
-              <a:rPr lang="en-US" smtClean="0"/>
+              <a:rPr lang="en-US"/>
               <a:t>Second level</a:t>
             </a:r>
           </a:p>
           <a:p>
             <a:pPr lvl="2"/>
             <a:r>
-              <a:rPr lang="en-US" smtClean="0"/>
+              <a:rPr lang="en-US"/>
               <a:t>Third level</a:t>
             </a:r>
           </a:p>
           <a:p>
             <a:pPr lvl="3"/>
             <a:r>
-              <a:rPr lang="en-US" smtClean="0"/>
+              <a:rPr lang="en-US"/>
               <a:t>Fourth level</a:t>
             </a:r>
           </a:p>
           <a:p>
             <a:pPr lvl="4"/>
             <a:r>
-              <a:rPr lang="en-US" smtClean="0"/>
+              <a:rPr lang="en-US"/>
               <a:t>Fifth level</a:t>
             </a:r>
             <a:endParaRPr lang="en-US" dirty="0"/>
@@ -1822,7 +1790,7 @@
           <a:p>
             <a:pPr lvl="0"/>
             <a:r>
-              <a:rPr lang="en-US" smtClean="0"/>
+              <a:rPr lang="en-US"/>
               <a:t>Click to edit Master text styles</a:t>
             </a:r>
           </a:p>
@@ -1878,35 +1846,35 @@
           <a:p>
             <a:pPr lvl="0"/>
             <a:r>
-              <a:rPr lang="en-US" smtClean="0"/>
+              <a:rPr lang="en-US"/>
               <a:t>Click to edit Master text styles</a:t>
             </a:r>
           </a:p>
           <a:p>
             <a:pPr lvl="1"/>
             <a:r>
-              <a:rPr lang="en-US" smtClean="0"/>
+              <a:rPr lang="en-US"/>
               <a:t>Second level</a:t>
             </a:r>
           </a:p>
           <a:p>
             <a:pPr lvl="2"/>
             <a:r>
-              <a:rPr lang="en-US" smtClean="0"/>
+              <a:rPr lang="en-US"/>
               <a:t>Third level</a:t>
             </a:r>
           </a:p>
           <a:p>
             <a:pPr lvl="3"/>
             <a:r>
-              <a:rPr lang="en-US" smtClean="0"/>
+              <a:rPr lang="en-US"/>
               <a:t>Fourth level</a:t>
             </a:r>
           </a:p>
           <a:p>
             <a:pPr lvl="4"/>
             <a:r>
-              <a:rPr lang="en-US" smtClean="0"/>
+              <a:rPr lang="en-US"/>
               <a:t>Fifth level</a:t>
             </a:r>
             <a:endParaRPr lang="en-US" dirty="0"/>
@@ -1930,7 +1898,7 @@
           <a:p>
             <a:fld id="{1FD00883-6618-4816-A7E8-192F7908481C}" type="datetimeFigureOut">
               <a:rPr lang="en-US" smtClean="0"/>
-              <a:t>1/5/2019</a:t>
+              <a:t>06-Jan-19</a:t>
             </a:fld>
             <a:endParaRPr lang="en-US"/>
           </a:p>
@@ -1988,13 +1956,6 @@
   <p:clrMapOvr>
     <a:masterClrMapping/>
   </p:clrMapOvr>
-  <p:timing>
-    <p:tnLst>
-      <p:par>
-        <p:cTn id="1" dur="indefinite" restart="never" nodeType="tmRoot"/>
-      </p:par>
-    </p:tnLst>
-  </p:timing>
 </p:sldLayout>
 </file>
 
@@ -2031,7 +1992,7 @@
           <a:lstStyle/>
           <a:p>
             <a:r>
-              <a:rPr lang="en-US" smtClean="0"/>
+              <a:rPr lang="en-US"/>
               <a:t>Click to edit Master title style</a:t>
             </a:r>
             <a:endParaRPr lang="en-US" dirty="0"/>
@@ -2055,7 +2016,7 @@
           <a:p>
             <a:fld id="{1FD00883-6618-4816-A7E8-192F7908481C}" type="datetimeFigureOut">
               <a:rPr lang="en-US" smtClean="0"/>
-              <a:t>1/5/2019</a:t>
+              <a:t>06-Jan-19</a:t>
             </a:fld>
             <a:endParaRPr lang="en-US"/>
           </a:p>
@@ -2113,13 +2074,6 @@
   <p:clrMapOvr>
     <a:masterClrMapping/>
   </p:clrMapOvr>
-  <p:timing>
-    <p:tnLst>
-      <p:par>
-        <p:cTn id="1" dur="indefinite" restart="never" nodeType="tmRoot"/>
-      </p:par>
-    </p:tnLst>
-  </p:timing>
 </p:sldLayout>
 </file>
 
@@ -2157,7 +2111,7 @@
           <a:p>
             <a:fld id="{1FD00883-6618-4816-A7E8-192F7908481C}" type="datetimeFigureOut">
               <a:rPr lang="en-US" smtClean="0"/>
-              <a:t>1/5/2019</a:t>
+              <a:t>06-Jan-19</a:t>
             </a:fld>
             <a:endParaRPr lang="en-US"/>
           </a:p>
@@ -2215,13 +2169,6 @@
   <p:clrMapOvr>
     <a:masterClrMapping/>
   </p:clrMapOvr>
-  <p:timing>
-    <p:tnLst>
-      <p:par>
-        <p:cTn id="1" dur="indefinite" restart="never" nodeType="tmRoot"/>
-      </p:par>
-    </p:tnLst>
-  </p:timing>
 </p:sldLayout>
 </file>
 
@@ -2311,7 +2258,7 @@
           </a:lstStyle>
           <a:p>
             <a:r>
-              <a:rPr lang="en-US" smtClean="0"/>
+              <a:rPr lang="en-US"/>
               <a:t>Click to edit Master title style</a:t>
             </a:r>
             <a:endParaRPr lang="en-US" dirty="0"/>
@@ -2368,35 +2315,35 @@
           <a:p>
             <a:pPr lvl="0"/>
             <a:r>
-              <a:rPr lang="en-US" smtClean="0"/>
+              <a:rPr lang="en-US"/>
               <a:t>Click to edit Master text styles</a:t>
             </a:r>
           </a:p>
           <a:p>
             <a:pPr lvl="1"/>
             <a:r>
-              <a:rPr lang="en-US" smtClean="0"/>
+              <a:rPr lang="en-US"/>
               <a:t>Second level</a:t>
             </a:r>
           </a:p>
           <a:p>
             <a:pPr lvl="2"/>
             <a:r>
-              <a:rPr lang="en-US" smtClean="0"/>
+              <a:rPr lang="en-US"/>
               <a:t>Third level</a:t>
             </a:r>
           </a:p>
           <a:p>
             <a:pPr lvl="3"/>
             <a:r>
-              <a:rPr lang="en-US" smtClean="0"/>
+              <a:rPr lang="en-US"/>
               <a:t>Fourth level</a:t>
             </a:r>
           </a:p>
           <a:p>
             <a:pPr lvl="4"/>
             <a:r>
-              <a:rPr lang="en-US" smtClean="0"/>
+              <a:rPr lang="en-US"/>
               <a:t>Fifth level</a:t>
             </a:r>
             <a:endParaRPr lang="en-US" dirty="0"/>
@@ -2497,7 +2444,7 @@
               <a:defRPr/>
             </a:pPr>
             <a:r>
-              <a:rPr lang="en-US" smtClean="0"/>
+              <a:rPr lang="en-US"/>
               <a:t>Click to edit Master text styles</a:t>
             </a:r>
           </a:p>
@@ -2520,7 +2467,7 @@
           <a:p>
             <a:fld id="{1FD00883-6618-4816-A7E8-192F7908481C}" type="datetimeFigureOut">
               <a:rPr lang="en-US" smtClean="0"/>
-              <a:t>1/5/2019</a:t>
+              <a:t>06-Jan-19</a:t>
             </a:fld>
             <a:endParaRPr lang="en-US"/>
           </a:p>
@@ -2588,13 +2535,6 @@
   <p:clrMapOvr>
     <a:masterClrMapping/>
   </p:clrMapOvr>
-  <p:timing>
-    <p:tnLst>
-      <p:par>
-        <p:cTn id="1" dur="indefinite" restart="never" nodeType="tmRoot"/>
-      </p:par>
-    </p:tnLst>
-  </p:timing>
 </p:sldLayout>
 </file>
 
@@ -2654,7 +2594,7 @@
           </a:lstStyle>
           <a:p>
             <a:r>
-              <a:rPr lang="en-US" smtClean="0"/>
+              <a:rPr lang="en-US"/>
               <a:t>Click to edit Master title style</a:t>
             </a:r>
             <a:endParaRPr lang="en-US" dirty="0"/>
@@ -2735,7 +2675,7 @@
           </a:lstStyle>
           <a:p>
             <a:r>
-              <a:rPr lang="en-US" smtClean="0"/>
+              <a:rPr lang="en-US"/>
               <a:t>Click icon to add picture</a:t>
             </a:r>
             <a:endParaRPr lang="en-US" dirty="0"/>
@@ -2810,7 +2750,7 @@
           <a:p>
             <a:pPr lvl="0"/>
             <a:r>
-              <a:rPr lang="en-US" smtClean="0"/>
+              <a:rPr lang="en-US"/>
               <a:t>Click to edit Master text styles</a:t>
             </a:r>
           </a:p>
@@ -2843,7 +2783,7 @@
           <a:p>
             <a:fld id="{1FD00883-6618-4816-A7E8-192F7908481C}" type="datetimeFigureOut">
               <a:rPr lang="en-US" smtClean="0"/>
-              <a:t>1/5/2019</a:t>
+              <a:t>06-Jan-19</a:t>
             </a:fld>
             <a:endParaRPr lang="en-US"/>
           </a:p>
@@ -2921,13 +2861,6 @@
   <p:clrMapOvr>
     <a:overrideClrMapping bg1="lt1" tx1="dk1" bg2="lt2" tx2="dk2" accent1="accent1" accent2="accent2" accent3="accent3" accent4="accent4" accent5="accent5" accent6="accent6" hlink="hlink" folHlink="folHlink"/>
   </p:clrMapOvr>
-  <p:timing>
-    <p:tnLst>
-      <p:par>
-        <p:cTn id="1" dur="indefinite" restart="never" nodeType="tmRoot"/>
-      </p:par>
-    </p:tnLst>
-  </p:timing>
 </p:sldLayout>
 </file>
 
@@ -2979,7 +2912,7 @@
           <a:lstStyle/>
           <a:p>
             <a:r>
-              <a:rPr lang="en-US" smtClean="0"/>
+              <a:rPr lang="en-US"/>
               <a:t>Click to edit Master title style</a:t>
             </a:r>
             <a:endParaRPr lang="en-US" dirty="0"/>
@@ -3013,35 +2946,35 @@
           <a:p>
             <a:pPr lvl="0"/>
             <a:r>
-              <a:rPr lang="en-US" smtClean="0"/>
+              <a:rPr lang="en-US"/>
               <a:t>Click to edit Master text styles</a:t>
             </a:r>
           </a:p>
           <a:p>
             <a:pPr lvl="1"/>
             <a:r>
-              <a:rPr lang="en-US" smtClean="0"/>
+              <a:rPr lang="en-US"/>
               <a:t>Second level</a:t>
             </a:r>
           </a:p>
           <a:p>
             <a:pPr lvl="2"/>
             <a:r>
-              <a:rPr lang="en-US" smtClean="0"/>
+              <a:rPr lang="en-US"/>
               <a:t>Third level</a:t>
             </a:r>
           </a:p>
           <a:p>
             <a:pPr lvl="3"/>
             <a:r>
-              <a:rPr lang="en-US" smtClean="0"/>
+              <a:rPr lang="en-US"/>
               <a:t>Fourth level</a:t>
             </a:r>
           </a:p>
           <a:p>
             <a:pPr lvl="4"/>
             <a:r>
-              <a:rPr lang="en-US" smtClean="0"/>
+              <a:rPr lang="en-US"/>
               <a:t>Fifth level</a:t>
             </a:r>
             <a:endParaRPr lang="en-US" dirty="0"/>
@@ -3083,7 +3016,7 @@
           <a:p>
             <a:fld id="{1FD00883-6618-4816-A7E8-192F7908481C}" type="datetimeFigureOut">
               <a:rPr lang="en-US" smtClean="0"/>
-              <a:t>1/5/2019</a:t>
+              <a:t>06-Jan-19</a:t>
             </a:fld>
             <a:endParaRPr lang="en-US"/>
           </a:p>
@@ -3192,13 +3125,6 @@
     <p:sldLayoutId id="2147483682" r:id="rId10"/>
     <p:sldLayoutId id="2147483683" r:id="rId11"/>
   </p:sldLayoutIdLst>
-  <p:timing>
-    <p:tnLst>
-      <p:par>
-        <p:cTn id="1" dur="indefinite" restart="never" nodeType="tmRoot"/>
-      </p:par>
-    </p:tnLst>
-  </p:timing>
   <p:txStyles>
     <p:titleStyle>
       <a:lvl1pPr algn="l" defTabSz="914400" rtl="0" eaLnBrk="1" latinLnBrk="0" hangingPunct="1">
@@ -3591,21 +3517,6 @@
   <p:clrMapOvr>
     <a:masterClrMapping/>
   </p:clrMapOvr>
-  <mc:AlternateContent xmlns:mc="http://schemas.openxmlformats.org/markup-compatibility/2006" xmlns:p14="http://schemas.microsoft.com/office/powerpoint/2010/main">
-    <mc:Choice Requires="p14">
-      <p:transition p14:dur="0"/>
-    </mc:Choice>
-    <mc:Fallback xmlns="">
-      <p:transition/>
-    </mc:Fallback>
-  </mc:AlternateContent>
-  <p:timing>
-    <p:tnLst>
-      <p:par>
-        <p:cTn id="1" dur="indefinite" restart="never" nodeType="tmRoot"/>
-      </p:par>
-    </p:tnLst>
-  </p:timing>
 </p:sld>
 </file>
 
@@ -3684,13 +3595,6 @@
   <p:transition spd="slow">
     <p:push dir="u"/>
   </p:transition>
-  <p:timing>
-    <p:tnLst>
-      <p:par>
-        <p:cTn id="1" dur="indefinite" restart="never" nodeType="tmRoot"/>
-      </p:par>
-    </p:tnLst>
-  </p:timing>
 </p:sld>
 </file>
 
@@ -3728,10 +3632,9 @@
           <a:p>
             <a:pPr algn="ctr"/>
             <a:r>
-              <a:rPr lang="en-US" dirty="0" smtClean="0"/>
+              <a:rPr lang="en-US" dirty="0"/>
               <a:t>Our Goals</a:t>
             </a:r>
-            <a:endParaRPr lang="en-US" dirty="0"/>
           </a:p>
         </p:txBody>
       </p:sp>
@@ -3769,7 +3672,6 @@
               <a:rPr lang="en-US" dirty="0"/>
               <a:t>Understand the marketplace </a:t>
             </a:r>
-            <a:endParaRPr lang="en-US" dirty="0" smtClean="0"/>
           </a:p>
           <a:p>
             <a:pPr marL="433388" indent="-342900" fontAlgn="base">
@@ -3781,24 +3683,8 @@
               <a:buChar char="o"/>
             </a:pPr>
             <a:r>
-              <a:rPr lang="en-US" dirty="0" smtClean="0"/>
-              <a:t>Give insight </a:t>
-            </a:r>
-            <a:r>
               <a:rPr lang="en-US" dirty="0"/>
-              <a:t>into what </a:t>
-            </a:r>
-            <a:r>
-              <a:rPr lang="en-US" dirty="0" smtClean="0"/>
-              <a:t>attributes would make a </a:t>
-            </a:r>
-            <a:r>
-              <a:rPr lang="en-US" dirty="0"/>
-              <a:t>successful </a:t>
-            </a:r>
-            <a:r>
-              <a:rPr lang="en-US" dirty="0" smtClean="0"/>
-              <a:t>campaign </a:t>
+              <a:t>Give insight into what attributes would make a successful campaign </a:t>
             </a:r>
           </a:p>
           <a:p>
@@ -3811,7 +3697,7 @@
               <a:buChar char="o"/>
             </a:pPr>
             <a:r>
-              <a:rPr lang="en-US" dirty="0" smtClean="0"/>
+              <a:rPr lang="en-US" dirty="0"/>
               <a:t>Find every campaign most efficient founding goal</a:t>
             </a:r>
           </a:p>
@@ -3861,7 +3747,7 @@
           <a:graphicData uri="http://schemas.openxmlformats.org/presentationml/2006/ole">
             <mc:AlternateContent xmlns:mc="http://schemas.openxmlformats.org/markup-compatibility/2006">
               <mc:Choice xmlns:v="urn:schemas-microsoft-com:vml" Requires="v">
-                <p:oleObj spid="_x0000_s3419" name="Image" r:id="rId3" imgW="780120" imgH="682560" progId="Photoshop.Image.13">
+                <p:oleObj spid="_x0000_s3422" name="Image" r:id="rId3" imgW="780120" imgH="682560" progId="Photoshop.Image.13">
                   <p:embed/>
                 </p:oleObj>
               </mc:Choice>
@@ -3918,7 +3804,7 @@
           <a:graphicData uri="http://schemas.openxmlformats.org/presentationml/2006/ole">
             <mc:AlternateContent xmlns:mc="http://schemas.openxmlformats.org/markup-compatibility/2006">
               <mc:Choice xmlns:v="urn:schemas-microsoft-com:vml" Requires="v">
-                <p:oleObj spid="_x0000_s3420" name="Image" r:id="rId5" imgW="780120" imgH="780120" progId="Photoshop.Image.13">
+                <p:oleObj spid="_x0000_s3423" name="Image" r:id="rId5" imgW="780120" imgH="780120" progId="Photoshop.Image.13">
                   <p:embed/>
                 </p:oleObj>
               </mc:Choice>
@@ -3975,7 +3861,7 @@
           <a:graphicData uri="http://schemas.openxmlformats.org/presentationml/2006/ole">
             <mc:AlternateContent xmlns:mc="http://schemas.openxmlformats.org/markup-compatibility/2006">
               <mc:Choice xmlns:v="urn:schemas-microsoft-com:vml" Requires="v">
-                <p:oleObj spid="_x0000_s3421" name="Image" r:id="rId7" imgW="780120" imgH="780120" progId="Photoshop.Image.13">
+                <p:oleObj spid="_x0000_s3424" name="Image" r:id="rId7" imgW="780120" imgH="780120" progId="Photoshop.Image.13">
                   <p:embed/>
                 </p:oleObj>
               </mc:Choice>
@@ -4377,11 +4263,11 @@
           <a:lstStyle/>
           <a:p>
             <a:r>
-              <a:rPr lang="en-US" dirty="0" smtClean="0"/>
+              <a:rPr lang="en-US" dirty="0"/>
               <a:t>Data </a:t>
             </a:r>
             <a:r>
-              <a:rPr lang="en-US" b="1" dirty="0" smtClean="0"/>
+              <a:rPr lang="en-US" b="1" dirty="0"/>
               <a:t>Methodology</a:t>
             </a:r>
             <a:endParaRPr lang="en-US" dirty="0"/>
@@ -4420,13 +4306,6 @@
   <p:transition spd="slow">
     <p:push dir="u"/>
   </p:transition>
-  <p:timing>
-    <p:tnLst>
-      <p:par>
-        <p:cTn id="1" dur="indefinite" restart="never" nodeType="tmRoot"/>
-      </p:par>
-    </p:tnLst>
-  </p:timing>
 </p:sld>
 </file>
 
@@ -4469,10 +4348,9 @@
           <a:p>
             <a:pPr algn="ctr"/>
             <a:r>
-              <a:rPr lang="en-US" dirty="0" smtClean="0"/>
+              <a:rPr lang="en-US" dirty="0"/>
               <a:t>Kickstarter Campaigns</a:t>
             </a:r>
-            <a:endParaRPr lang="en-US" dirty="0"/>
           </a:p>
         </p:txBody>
       </p:sp>
@@ -4524,15 +4402,7 @@
             </a:pPr>
             <a:r>
               <a:rPr lang="en-US" dirty="0"/>
-              <a:t>Campaign name and </a:t>
-            </a:r>
-            <a:r>
-              <a:rPr lang="en-US" dirty="0" smtClean="0"/>
-              <a:t>blurb (description</a:t>
-            </a:r>
-            <a:r>
-              <a:rPr lang="en-US" dirty="0"/>
-              <a:t>)</a:t>
+              <a:t>Campaign name and blurb (description)</a:t>
             </a:r>
           </a:p>
           <a:p>
@@ -4663,12 +4533,8 @@
               <a:buChar char="o"/>
             </a:pPr>
             <a:r>
-              <a:rPr lang="en-US" dirty="0" smtClean="0"/>
-              <a:t>Day </a:t>
-            </a:r>
-            <a:r>
               <a:rPr lang="en-US" dirty="0"/>
-              <a:t>of week and hour of day for creation, launch and deadline</a:t>
+              <a:t>Day of week and hour of day for creation, launch and deadline</a:t>
             </a:r>
           </a:p>
           <a:p>
@@ -4684,7 +4550,6 @@
               <a:rPr lang="en-US" dirty="0"/>
               <a:t>Time delta</a:t>
             </a:r>
-            <a:endParaRPr lang="en-US" dirty="0"/>
           </a:p>
           <a:p>
             <a:pPr marL="400050" indent="-400050" fontAlgn="base">
@@ -4697,11 +4562,7 @@
             </a:pPr>
             <a:r>
               <a:rPr lang="en-US" dirty="0"/>
-              <a:t>Pledged </a:t>
-            </a:r>
-            <a:r>
-              <a:rPr lang="en-US" dirty="0" smtClean="0"/>
-              <a:t>percent</a:t>
+              <a:t>Pledged percent</a:t>
             </a:r>
           </a:p>
           <a:p>
@@ -4715,13 +4576,8 @@
             </a:pPr>
             <a:r>
               <a:rPr lang="en-US" dirty="0"/>
-              <a:t>Text </a:t>
-            </a:r>
-            <a:r>
-              <a:rPr lang="en-US" dirty="0" smtClean="0"/>
-              <a:t>info</a:t>
-            </a:r>
-            <a:endParaRPr lang="en-US" dirty="0"/>
+              <a:t>Text info</a:t>
+            </a:r>
           </a:p>
           <a:p>
             <a:pPr marL="400050" indent="-400050" fontAlgn="base">
@@ -4736,7 +4592,6 @@
               <a:rPr lang="en-US" dirty="0"/>
               <a:t>Number of existing or recent campaigns in the category </a:t>
             </a:r>
-            <a:endParaRPr lang="en-US" dirty="0"/>
           </a:p>
         </p:txBody>
       </p:sp>
@@ -4762,7 +4617,7 @@
           <a:lstStyle/>
           <a:p>
             <a:r>
-              <a:rPr lang="en-US" sz="5400" spc="-120" dirty="0" smtClean="0">
+              <a:rPr lang="en-US" sz="5400" spc="-120" dirty="0">
                 <a:solidFill>
                   <a:schemeClr val="accent1"/>
                 </a:solidFill>
@@ -4772,14 +4627,6 @@
               </a:rPr>
               <a:t>300K+</a:t>
             </a:r>
-            <a:endParaRPr lang="en-US" sz="5400" spc="-120" dirty="0">
-              <a:solidFill>
-                <a:schemeClr val="accent1"/>
-              </a:solidFill>
-              <a:latin typeface="+mj-lt"/>
-              <a:ea typeface="+mj-ea"/>
-              <a:cs typeface="+mj-cs"/>
-            </a:endParaRPr>
           </a:p>
         </p:txBody>
       </p:sp>
@@ -5610,16 +5457,8 @@
           <a:lstStyle/>
           <a:p>
             <a:r>
-              <a:rPr lang="en-US" dirty="0" smtClean="0"/>
-              <a:t>Some </a:t>
-            </a:r>
-            <a:r>
               <a:rPr lang="en-US" dirty="0"/>
-              <a:t>new </a:t>
-            </a:r>
-            <a:r>
-              <a:rPr lang="en-US" dirty="0" smtClean="0"/>
-              <a:t>Insights from our data</a:t>
+              <a:t>Some new Insights from our data</a:t>
             </a:r>
             <a:endParaRPr lang="he-IL" dirty="0"/>
           </a:p>
@@ -5638,13 +5477,6 @@
   <p:transition spd="slow">
     <p:push/>
   </p:transition>
-  <p:timing>
-    <p:tnLst>
-      <p:par>
-        <p:cTn id="1" dur="indefinite" restart="never" nodeType="tmRoot"/>
-      </p:par>
-    </p:tnLst>
-  </p:timing>
 </p:sld>
 </file>
 
@@ -5681,11 +5513,11 @@
           <a:lstStyle/>
           <a:p>
             <a:r>
-              <a:rPr lang="en-US" dirty="0" smtClean="0"/>
+              <a:rPr lang="en-US" dirty="0"/>
               <a:t>Text </a:t>
             </a:r>
             <a:r>
-              <a:rPr lang="en-US" b="1" dirty="0" smtClean="0"/>
+              <a:rPr lang="en-US" b="1" dirty="0"/>
               <a:t>analysis</a:t>
             </a:r>
             <a:endParaRPr lang="en-US" dirty="0"/>
@@ -5724,13 +5556,6 @@
   <p:transition spd="slow">
     <p:push dir="u"/>
   </p:transition>
-  <p:timing>
-    <p:tnLst>
-      <p:par>
-        <p:cTn id="1" dur="indefinite" restart="never" nodeType="tmRoot"/>
-      </p:par>
-    </p:tnLst>
-  </p:timing>
 </p:sld>
 </file>
 
@@ -5778,11 +5603,7 @@
           <a:p>
             <a:r>
               <a:rPr lang="en-US" sz="2800" dirty="0"/>
-              <a:t>T</a:t>
-            </a:r>
-            <a:r>
-              <a:rPr lang="en-US" sz="2800" dirty="0" smtClean="0"/>
-              <a:t>ext parameters (mean)</a:t>
+              <a:t>Text parameters (mean)</a:t>
             </a:r>
             <a:endParaRPr lang="he-IL" sz="2800" dirty="0"/>
           </a:p>
@@ -6005,7 +5826,7 @@
               <a:buChar char="o"/>
             </a:pPr>
             <a:r>
-              <a:rPr lang="en-US" sz="2000" dirty="0" smtClean="0">
+              <a:rPr lang="en-US" sz="2000" dirty="0">
                 <a:solidFill>
                   <a:prstClr val="black">
                     <a:lumMod val="85000"/>
@@ -6032,7 +5853,7 @@
               <a:buChar char="o"/>
             </a:pPr>
             <a:r>
-              <a:rPr lang="en-US" sz="2000" dirty="0" smtClean="0">
+              <a:rPr lang="en-US" sz="2000" dirty="0">
                 <a:solidFill>
                   <a:prstClr val="black">
                     <a:lumMod val="85000"/>
@@ -6062,7 +5883,7 @@
               </a:tabLst>
             </a:pPr>
             <a:r>
-              <a:rPr lang="en-US" sz="2000" dirty="0" smtClean="0">
+              <a:rPr lang="en-US" sz="2000" dirty="0">
                 <a:solidFill>
                   <a:prstClr val="black">
                     <a:lumMod val="85000"/>
@@ -6089,7 +5910,7 @@
               <a:buChar char="o"/>
             </a:pPr>
             <a:r>
-              <a:rPr lang="en-US" sz="2000" dirty="0" smtClean="0">
+              <a:rPr lang="en-US" sz="2000" dirty="0">
                 <a:solidFill>
                   <a:prstClr val="black">
                     <a:lumMod val="85000"/>
@@ -6116,7 +5937,7 @@
               <a:buChar char="o"/>
             </a:pPr>
             <a:r>
-              <a:rPr lang="en-US" sz="2000" dirty="0" smtClean="0">
+              <a:rPr lang="en-US" sz="2000" dirty="0">
                 <a:solidFill>
                   <a:prstClr val="black">
                     <a:lumMod val="85000"/>
@@ -6143,7 +5964,7 @@
               <a:buChar char="o"/>
             </a:pPr>
             <a:r>
-              <a:rPr lang="en-US" sz="2000" dirty="0" smtClean="0">
+              <a:rPr lang="en-US" sz="2000" dirty="0">
                 <a:solidFill>
                   <a:prstClr val="black">
                     <a:lumMod val="85000"/>
@@ -6170,7 +5991,7 @@
               <a:buChar char="o"/>
             </a:pPr>
             <a:r>
-              <a:rPr lang="en-US" sz="2000" dirty="0" smtClean="0">
+              <a:rPr lang="en-US" sz="2000" dirty="0">
                 <a:solidFill>
                   <a:prstClr val="black">
                     <a:lumMod val="85000"/>
@@ -6205,18 +6026,7 @@
                   </a:prstClr>
                 </a:solidFill>
               </a:rPr>
-              <a:t>How many words are in the </a:t>
-            </a:r>
-            <a:r>
-              <a:rPr lang="en-US" sz="2000" dirty="0" smtClean="0">
-                <a:solidFill>
-                  <a:prstClr val="black">
-                    <a:lumMod val="85000"/>
-                    <a:lumOff val="15000"/>
-                  </a:prstClr>
-                </a:solidFill>
-              </a:rPr>
-              <a:t>product description?</a:t>
+              <a:t>How many words are in the product description?</a:t>
             </a:r>
           </a:p>
           <a:p>
@@ -6243,29 +6053,7 @@
                   </a:prstClr>
                 </a:solidFill>
               </a:rPr>
-              <a:t>The product description </a:t>
-            </a:r>
-            <a:r>
-              <a:rPr lang="en-US" sz="2000" dirty="0" smtClean="0">
-                <a:solidFill>
-                  <a:prstClr val="black">
-                    <a:lumMod val="85000"/>
-                    <a:lumOff val="15000"/>
-                  </a:prstClr>
-                </a:solidFill>
-              </a:rPr>
-              <a:t>vowel to word </a:t>
-            </a:r>
-            <a:r>
-              <a:rPr lang="en-US" sz="2000" dirty="0">
-                <a:solidFill>
-                  <a:prstClr val="black">
-                    <a:lumMod val="85000"/>
-                    <a:lumOff val="15000"/>
-                  </a:prstClr>
-                </a:solidFill>
-              </a:rPr>
-              <a:t>ratio       </a:t>
+              <a:t>The product description vowel to word ratio       </a:t>
             </a:r>
           </a:p>
           <a:p>
@@ -6292,27 +6080,8 @@
                   </a:prstClr>
                 </a:solidFill>
               </a:rPr>
-              <a:t>How many symbols in the product description</a:t>
-            </a:r>
-            <a:r>
-              <a:rPr lang="en-US" sz="2000" dirty="0" smtClean="0">
-                <a:solidFill>
-                  <a:prstClr val="black">
-                    <a:lumMod val="85000"/>
-                    <a:lumOff val="15000"/>
-                  </a:prstClr>
-                </a:solidFill>
-              </a:rPr>
-              <a:t>?</a:t>
-            </a:r>
-            <a:endParaRPr lang="en-US" sz="2000" dirty="0">
-              <a:solidFill>
-                <a:prstClr val="black">
-                  <a:lumMod val="85000"/>
-                  <a:lumOff val="15000"/>
-                </a:prstClr>
-              </a:solidFill>
-            </a:endParaRPr>
+              <a:t>How many symbols in the product description?</a:t>
+            </a:r>
           </a:p>
           <a:p>
             <a:pPr lvl="0">
@@ -6328,7 +6097,7 @@
               <a:buSzPct val="150000"/>
             </a:pPr>
             <a:r>
-              <a:rPr lang="en-US" sz="2000" dirty="0" smtClean="0">
+              <a:rPr lang="en-US" sz="2000" dirty="0">
                 <a:solidFill>
                   <a:prstClr val="black">
                     <a:lumMod val="85000"/>
@@ -6338,7 +6107,7 @@
               </a:rPr>
               <a:t>  </a:t>
             </a:r>
-            <a:endParaRPr lang="he-IL" sz="2000" dirty="0" smtClean="0">
+            <a:endParaRPr lang="he-IL" sz="2000" dirty="0">
               <a:solidFill>
                 <a:prstClr val="black">
                   <a:lumMod val="85000"/>
@@ -6359,7 +6128,7 @@
               <a:buFont typeface="Courier New" panose="02070309020205020404" pitchFamily="49" charset="0"/>
               <a:buChar char="o"/>
             </a:pPr>
-            <a:endParaRPr lang="en-US" dirty="0" smtClean="0"/>
+            <a:endParaRPr lang="en-US" dirty="0"/>
           </a:p>
           <a:p>
             <a:pPr marL="285750" indent="-285750">
@@ -6592,7 +6361,7 @@
               <a:buSzPct val="150000"/>
             </a:pPr>
             <a:r>
-              <a:rPr lang="en-US" sz="2000" dirty="0" smtClean="0">
+              <a:rPr lang="en-US" sz="2000" dirty="0">
                 <a:solidFill>
                   <a:prstClr val="black">
                     <a:lumMod val="85000"/>
@@ -6617,7 +6386,7 @@
               <a:buSzPct val="150000"/>
             </a:pPr>
             <a:r>
-              <a:rPr lang="en-US" sz="2000" dirty="0" smtClean="0">
+              <a:rPr lang="en-US" sz="2000" dirty="0">
                 <a:solidFill>
                   <a:prstClr val="black">
                     <a:lumMod val="85000"/>
@@ -6645,7 +6414,7 @@
               </a:tabLst>
             </a:pPr>
             <a:r>
-              <a:rPr lang="en-US" sz="2000" dirty="0" smtClean="0">
+              <a:rPr lang="en-US" sz="2000" dirty="0">
                 <a:solidFill>
                   <a:prstClr val="black">
                     <a:lumMod val="85000"/>
@@ -6670,7 +6439,7 @@
               <a:buSzPct val="150000"/>
             </a:pPr>
             <a:r>
-              <a:rPr lang="en-US" sz="2000" dirty="0" smtClean="0">
+              <a:rPr lang="en-US" sz="2000" dirty="0">
                 <a:solidFill>
                   <a:prstClr val="black">
                     <a:lumMod val="85000"/>
@@ -6695,7 +6464,7 @@
               <a:buSzPct val="150000"/>
             </a:pPr>
             <a:r>
-              <a:rPr lang="en-US" sz="2000" dirty="0" smtClean="0">
+              <a:rPr lang="en-US" sz="2000" dirty="0">
                 <a:solidFill>
                   <a:prstClr val="black">
                     <a:lumMod val="85000"/>
@@ -6720,7 +6489,7 @@
               <a:buSzPct val="150000"/>
             </a:pPr>
             <a:r>
-              <a:rPr lang="en-US" sz="2000" dirty="0" smtClean="0">
+              <a:rPr lang="en-US" sz="2000" dirty="0">
                 <a:solidFill>
                   <a:prstClr val="black">
                     <a:lumMod val="85000"/>
@@ -6745,7 +6514,7 @@
               <a:buSzPct val="150000"/>
             </a:pPr>
             <a:r>
-              <a:rPr lang="en-US" sz="2000" dirty="0" smtClean="0">
+              <a:rPr lang="en-US" sz="2000" dirty="0">
                 <a:solidFill>
                   <a:prstClr val="black">
                     <a:lumMod val="85000"/>
@@ -6770,7 +6539,7 @@
               <a:buSzPct val="150000"/>
             </a:pPr>
             <a:r>
-              <a:rPr lang="en-US" sz="2000" dirty="0" smtClean="0">
+              <a:rPr lang="en-US" sz="2000" dirty="0">
                 <a:solidFill>
                   <a:prstClr val="black">
                     <a:lumMod val="85000"/>
@@ -6795,7 +6564,7 @@
               <a:buSzPct val="150000"/>
             </a:pPr>
             <a:r>
-              <a:rPr lang="en-US" sz="2000" dirty="0" smtClean="0">
+              <a:rPr lang="en-US" sz="2000" dirty="0">
                 <a:solidFill>
                   <a:prstClr val="black">
                     <a:lumMod val="85000"/>
@@ -6820,7 +6589,7 @@
               <a:buSzPct val="150000"/>
             </a:pPr>
             <a:r>
-              <a:rPr lang="en-US" sz="2000" dirty="0" smtClean="0">
+              <a:rPr lang="en-US" sz="2000" dirty="0">
                 <a:solidFill>
                   <a:prstClr val="black">
                     <a:lumMod val="85000"/>
@@ -6830,7 +6599,7 @@
               </a:rPr>
               <a:t>22</a:t>
             </a:r>
-            <a:endParaRPr lang="he-IL" sz="2000" dirty="0" smtClean="0">
+            <a:endParaRPr lang="he-IL" sz="2000" dirty="0">
               <a:solidFill>
                 <a:prstClr val="black">
                   <a:lumMod val="85000"/>
@@ -6851,7 +6620,7 @@
               <a:buFont typeface="Courier New" panose="02070309020205020404" pitchFamily="49" charset="0"/>
               <a:buChar char="o"/>
             </a:pPr>
-            <a:endParaRPr lang="en-US" dirty="0" smtClean="0"/>
+            <a:endParaRPr lang="en-US" dirty="0"/>
           </a:p>
           <a:p>
             <a:pPr marL="285750" indent="-285750">
@@ -7280,15 +7049,15 @@
           <a:lstStyle/>
           <a:p>
             <a:r>
-              <a:rPr lang="en-US" sz="2800" dirty="0" smtClean="0"/>
+              <a:rPr lang="en-US" sz="2800" dirty="0"/>
               <a:t>Campaign “</a:t>
             </a:r>
             <a:r>
-              <a:rPr lang="en-US" sz="2800" dirty="0" err="1" smtClean="0"/>
+              <a:rPr lang="en-US" sz="2800" dirty="0" err="1"/>
               <a:t>BuzzWords</a:t>
             </a:r>
             <a:r>
-              <a:rPr lang="en-US" sz="2800" dirty="0" smtClean="0"/>
+              <a:rPr lang="en-US" sz="2800" dirty="0"/>
               <a:t>’’</a:t>
             </a:r>
             <a:endParaRPr lang="he-IL" sz="2800" dirty="0"/>
@@ -7368,13 +7137,6 @@
   <p:transition spd="slow">
     <p:push dir="u"/>
   </p:transition>
-  <p:timing>
-    <p:tnLst>
-      <p:par>
-        <p:cTn id="1" dur="indefinite" restart="never" nodeType="tmRoot"/>
-      </p:par>
-    </p:tnLst>
-  </p:timing>
 </p:sld>
 </file>
 
@@ -7453,13 +7215,6 @@
   <p:transition spd="slow">
     <p:push dir="u"/>
   </p:transition>
-  <p:timing>
-    <p:tnLst>
-      <p:par>
-        <p:cTn id="1" dur="indefinite" restart="never" nodeType="tmRoot"/>
-      </p:par>
-    </p:tnLst>
-  </p:timing>
 </p:sld>
 </file>
 
@@ -7496,11 +7251,11 @@
           <a:lstStyle/>
           <a:p>
             <a:r>
-              <a:rPr lang="en-US" dirty="0" smtClean="0"/>
+              <a:rPr lang="en-US" dirty="0"/>
               <a:t>Categorical </a:t>
             </a:r>
             <a:r>
-              <a:rPr lang="en-US" b="1" dirty="0" smtClean="0"/>
+              <a:rPr lang="en-US" b="1" dirty="0"/>
               <a:t>prediction</a:t>
             </a:r>
             <a:endParaRPr lang="en-US" dirty="0"/>
@@ -7531,23 +7286,7 @@
           <a:p>
             <a:r>
               <a:rPr lang="en-US" dirty="0"/>
-              <a:t>Decision Tree </a:t>
-            </a:r>
-            <a:r>
-              <a:rPr lang="en-US" dirty="0" smtClean="0"/>
-              <a:t>Classifier | </a:t>
-            </a:r>
-            <a:r>
-              <a:rPr lang="en-US" dirty="0"/>
-              <a:t>Random </a:t>
-            </a:r>
-            <a:r>
-              <a:rPr lang="en-US" dirty="0" smtClean="0"/>
-              <a:t>forest | </a:t>
-            </a:r>
-            <a:r>
-              <a:rPr lang="en-US" dirty="0"/>
-              <a:t>GBM</a:t>
+              <a:t>Decision Tree Classifier | Random forest | GBM</a:t>
             </a:r>
           </a:p>
           <a:p>
@@ -7568,13 +7307,6 @@
   <p:transition spd="slow">
     <p:push dir="u"/>
   </p:transition>
-  <p:timing>
-    <p:tnLst>
-      <p:par>
-        <p:cTn id="1" dur="indefinite" restart="never" nodeType="tmRoot"/>
-      </p:par>
-    </p:tnLst>
-  </p:timing>
 </p:sld>
 </file>
 
@@ -7616,10 +7348,9 @@
           <a:lstStyle/>
           <a:p>
             <a:r>
-              <a:rPr lang="en-US" dirty="0" smtClean="0"/>
+              <a:rPr lang="en-US" dirty="0"/>
               <a:t>Content</a:t>
             </a:r>
-            <a:endParaRPr lang="en-US" dirty="0"/>
           </a:p>
         </p:txBody>
       </p:sp>
@@ -7644,46 +7375,9 @@
           <a:lstStyle/>
           <a:p>
             <a:r>
-              <a:rPr lang="en-US" dirty="0" smtClean="0"/>
-              <a:t>Market reminder | </a:t>
-            </a:r>
-            <a:r>
               <a:rPr lang="en-US" dirty="0"/>
-              <a:t>Meet </a:t>
-            </a:r>
-            <a:r>
-              <a:rPr lang="en-US" dirty="0" smtClean="0"/>
-              <a:t>Kickstarter Oracle</a:t>
-            </a:r>
-            <a:r>
-              <a:rPr lang="en-US" dirty="0"/>
-              <a:t> </a:t>
-            </a:r>
-            <a:r>
-              <a:rPr lang="en-US" dirty="0" smtClean="0"/>
-              <a:t>| Data </a:t>
-            </a:r>
-            <a:r>
-              <a:rPr lang="en-US" dirty="0"/>
-              <a:t>Methodology | Prediction </a:t>
-            </a:r>
-            <a:r>
-              <a:rPr lang="en-US" dirty="0"/>
-              <a:t>models</a:t>
-            </a:r>
-            <a:r>
-              <a:rPr lang="en-US" dirty="0" smtClean="0"/>
-              <a:t> </a:t>
-            </a:r>
-            <a:r>
-              <a:rPr lang="en-US" dirty="0" smtClean="0"/>
-              <a:t>| </a:t>
-            </a:r>
-            <a:r>
-              <a:rPr lang="en-US" dirty="0" smtClean="0"/>
-              <a:t>Insight | Implication</a:t>
-            </a:r>
-            <a:endParaRPr lang="en-US" dirty="0"/>
+              <a:t>Market reminder | Meet Kickstarter Oracle | Data Methodology | Prediction models | Insight | Implication</a:t>
+            </a:r>
           </a:p>
         </p:txBody>
       </p:sp>
@@ -7700,13 +7394,6 @@
   <p:transition spd="slow">
     <p:push/>
   </p:transition>
-  <p:timing>
-    <p:tnLst>
-      <p:par>
-        <p:cTn id="1" dur="indefinite" restart="never" nodeType="tmRoot"/>
-      </p:par>
-    </p:tnLst>
-  </p:timing>
 </p:sld>
 </file>
 
@@ -7753,15 +7440,15 @@
           <a:lstStyle/>
           <a:p>
             <a:r>
-              <a:rPr lang="en-US" sz="2800" dirty="0" smtClean="0"/>
+              <a:rPr lang="en-US" sz="2800" dirty="0"/>
               <a:t>Campaign “</a:t>
             </a:r>
             <a:r>
-              <a:rPr lang="en-US" sz="2800" dirty="0" err="1" smtClean="0"/>
+              <a:rPr lang="en-US" sz="2800" dirty="0" err="1"/>
               <a:t>BuzzWords</a:t>
             </a:r>
             <a:r>
-              <a:rPr lang="en-US" sz="2800" dirty="0" smtClean="0"/>
+              <a:rPr lang="en-US" sz="2800" dirty="0"/>
               <a:t>’’</a:t>
             </a:r>
             <a:endParaRPr lang="he-IL" sz="2800" dirty="0"/>
@@ -7811,13 +7498,6 @@
   <p:transition spd="slow">
     <p:push dir="u"/>
   </p:transition>
-  <p:timing>
-    <p:tnLst>
-      <p:par>
-        <p:cTn id="1" dur="indefinite" restart="never" nodeType="tmRoot"/>
-      </p:par>
-    </p:tnLst>
-  </p:timing>
 </p:sld>
 </file>
 
@@ -7864,7 +7544,7 @@
           <a:lstStyle/>
           <a:p>
             <a:r>
-              <a:rPr lang="en-US" sz="2800" dirty="0" smtClean="0"/>
+              <a:rPr lang="en-US" sz="2800" dirty="0"/>
               <a:t>ROC | Precision </a:t>
             </a:r>
             <a:endParaRPr lang="he-IL" sz="2800" dirty="0"/>
@@ -7954,33 +7634,20 @@
           <a:p>
             <a:r>
               <a:rPr lang="en-US" sz="2400" b="1" dirty="0"/>
-              <a:t>Decision Tree </a:t>
-            </a:r>
-            <a:r>
-              <a:rPr lang="en-US" sz="2400" b="1" dirty="0" smtClean="0"/>
-              <a:t>Classifier</a:t>
-            </a:r>
-          </a:p>
-          <a:p>
-            <a:r>
-              <a:rPr lang="en-US" sz="2400" dirty="0" smtClean="0"/>
-              <a:t>Precision</a:t>
-            </a:r>
+              <a:t>Decision Tree Classifier</a:t>
+            </a:r>
+          </a:p>
+          <a:p>
             <a:r>
               <a:rPr lang="en-US" sz="2400" dirty="0"/>
-              <a:t>: </a:t>
-            </a:r>
-            <a:r>
-              <a:rPr lang="en-US" sz="2400" dirty="0" smtClean="0"/>
-              <a:t>0.85</a:t>
-            </a:r>
-          </a:p>
-          <a:p>
-            <a:r>
-              <a:rPr lang="en-US" sz="2400" dirty="0" smtClean="0"/>
+              <a:t>Precision: 0.85</a:t>
+            </a:r>
+          </a:p>
+          <a:p>
+            <a:r>
+              <a:rPr lang="en-US" sz="2400" dirty="0"/>
               <a:t>Recall:0.75</a:t>
             </a:r>
-            <a:endParaRPr lang="en-US" sz="2400" dirty="0"/>
           </a:p>
         </p:txBody>
       </p:sp>
@@ -8010,7 +7677,7 @@
               <a:t>Random forest (RF) </a:t>
             </a:r>
             <a:r>
-              <a:rPr lang="en-US" sz="2400" dirty="0" smtClean="0"/>
+              <a:rPr lang="en-US" sz="2400" dirty="0"/>
               <a:t>Precision:</a:t>
             </a:r>
             <a:r>
@@ -8018,16 +7685,15 @@
               <a:t>0.8</a:t>
             </a:r>
             <a:r>
-              <a:rPr lang="en-US" sz="2400" dirty="0" smtClean="0"/>
+              <a:rPr lang="en-US" sz="2400" dirty="0"/>
               <a:t>3</a:t>
             </a:r>
           </a:p>
           <a:p>
             <a:r>
-              <a:rPr lang="en-US" sz="2400" dirty="0" smtClean="0"/>
+              <a:rPr lang="en-US" sz="2400" dirty="0"/>
               <a:t>Recall:0.6</a:t>
             </a:r>
-            <a:endParaRPr lang="en-US" sz="2400" dirty="0"/>
           </a:p>
         </p:txBody>
       </p:sp>
@@ -8053,13 +7719,13 @@
           <a:lstStyle/>
           <a:p>
             <a:r>
-              <a:rPr lang="en-US" sz="2400" b="1" dirty="0" smtClean="0"/>
+              <a:rPr lang="en-US" sz="2400" b="1" dirty="0"/>
               <a:t>GBM</a:t>
             </a:r>
           </a:p>
           <a:p>
             <a:r>
-              <a:rPr lang="en-US" sz="2400" dirty="0" smtClean="0"/>
+              <a:rPr lang="en-US" sz="2400" dirty="0"/>
               <a:t>Precision:</a:t>
             </a:r>
             <a:r>
@@ -8067,16 +7733,15 @@
               <a:t>0.</a:t>
             </a:r>
             <a:r>
-              <a:rPr lang="en-US" sz="2400" dirty="0" smtClean="0"/>
+              <a:rPr lang="en-US" sz="2400" dirty="0"/>
               <a:t>9</a:t>
             </a:r>
           </a:p>
           <a:p>
             <a:r>
-              <a:rPr lang="en-US" sz="2400" dirty="0" smtClean="0"/>
+              <a:rPr lang="en-US" sz="2400" dirty="0"/>
               <a:t>Recall:0.6</a:t>
             </a:r>
-            <a:endParaRPr lang="en-US" sz="2400" dirty="0"/>
           </a:p>
         </p:txBody>
       </p:sp>
@@ -8093,13 +7758,6 @@
   <p:transition spd="slow">
     <p:push dir="u"/>
   </p:transition>
-  <p:timing>
-    <p:tnLst>
-      <p:par>
-        <p:cTn id="1" dur="indefinite" restart="never" nodeType="tmRoot"/>
-      </p:par>
-    </p:tnLst>
-  </p:timing>
 </p:sld>
 </file>
 
@@ -8136,11 +7794,11 @@
           <a:lstStyle/>
           <a:p>
             <a:r>
-              <a:rPr lang="en-US" dirty="0" smtClean="0"/>
+              <a:rPr lang="en-US" dirty="0"/>
               <a:t>Regression </a:t>
             </a:r>
             <a:r>
-              <a:rPr lang="en-US" b="1" dirty="0" smtClean="0"/>
+              <a:rPr lang="en-US" b="1" dirty="0"/>
               <a:t>prediction</a:t>
             </a:r>
             <a:endParaRPr lang="en-US" dirty="0"/>
@@ -8170,22 +7828,21 @@
           <a:lstStyle/>
           <a:p>
             <a:r>
-              <a:rPr lang="en-US" dirty="0" smtClean="0"/>
+              <a:rPr lang="en-US" dirty="0"/>
               <a:t>?</a:t>
             </a:r>
           </a:p>
           <a:p>
             <a:r>
-              <a:rPr lang="en-US" dirty="0" smtClean="0"/>
+              <a:rPr lang="en-US" dirty="0"/>
               <a:t>Linear?</a:t>
             </a:r>
           </a:p>
           <a:p>
             <a:r>
-              <a:rPr lang="en-US" dirty="0" smtClean="0"/>
+              <a:rPr lang="en-US" dirty="0"/>
               <a:t>Polynomial?</a:t>
             </a:r>
-            <a:endParaRPr lang="en-US" dirty="0"/>
           </a:p>
           <a:p>
             <a:endParaRPr lang="en-US" dirty="0"/>
@@ -8205,13 +7862,6 @@
   <p:transition spd="slow">
     <p:push dir="u"/>
   </p:transition>
-  <p:timing>
-    <p:tnLst>
-      <p:par>
-        <p:cTn id="1" dur="indefinite" restart="never" nodeType="tmRoot"/>
-      </p:par>
-    </p:tnLst>
-  </p:timing>
 </p:sld>
 </file>
 
@@ -8242,12 +7892,21 @@
             <p:ph type="title"/>
           </p:nvPr>
         </p:nvSpPr>
-        <p:spPr/>
+        <p:spPr>
+          <a:xfrm>
+            <a:off x="779673" y="334567"/>
+            <a:ext cx="10780776" cy="1346607"/>
+          </a:xfrm>
+        </p:spPr>
         <p:txBody>
           <a:bodyPr/>
           <a:lstStyle/>
           <a:p>
-            <a:endParaRPr lang="he-IL"/>
+            <a:r>
+              <a:rPr lang="en-US" dirty="0"/>
+              <a:t>Linear Regression </a:t>
+            </a:r>
+            <a:endParaRPr lang="he-IL" dirty="0"/>
           </a:p>
         </p:txBody>
       </p:sp>
@@ -8261,15 +7920,70 @@
             <p:ph type="body" idx="1"/>
           </p:nvPr>
         </p:nvSpPr>
-        <p:spPr/>
+        <p:spPr>
+          <a:xfrm>
+            <a:off x="667512" y="2709644"/>
+            <a:ext cx="3711541" cy="3140485"/>
+          </a:xfrm>
+        </p:spPr>
         <p:txBody>
           <a:bodyPr/>
           <a:lstStyle/>
           <a:p>
-            <a:endParaRPr lang="he-IL"/>
-          </a:p>
-        </p:txBody>
-      </p:sp>
+            <a:r>
+              <a:rPr lang="en-US" dirty="0"/>
+              <a:t>R</a:t>
+            </a:r>
+            <a:r>
+              <a:rPr lang="en-US" dirty="0">
+                <a:latin typeface="Calibri" panose="020F0502020204030204" pitchFamily="34" charset="0"/>
+                <a:cs typeface="Calibri" panose="020F0502020204030204" pitchFamily="34" charset="0"/>
+              </a:rPr>
+              <a:t>²</a:t>
+            </a:r>
+            <a:r>
+              <a:rPr lang="en-US" dirty="0"/>
+              <a:t>=0.12</a:t>
+            </a:r>
+          </a:p>
+          <a:p>
+            <a:endParaRPr lang="en-US" dirty="0"/>
+          </a:p>
+          <a:p>
+            <a:endParaRPr lang="he-IL" dirty="0"/>
+          </a:p>
+        </p:txBody>
+      </p:sp>
+      <p:pic>
+        <p:nvPicPr>
+          <p:cNvPr id="5" name="Picture 4">
+            <a:extLst>
+              <a:ext uri="{FF2B5EF4-FFF2-40B4-BE49-F238E27FC236}">
+                <a16:creationId xmlns:a16="http://schemas.microsoft.com/office/drawing/2014/main" id="{8DA4F2C2-99D0-42E1-9B06-EB0DC0AB4D84}"/>
+              </a:ext>
+            </a:extLst>
+          </p:cNvPr>
+          <p:cNvPicPr>
+            <a:picLocks noChangeAspect="1"/>
+          </p:cNvPicPr>
+          <p:nvPr/>
+        </p:nvPicPr>
+        <p:blipFill>
+          <a:blip r:embed="rId2"/>
+          <a:stretch>
+            <a:fillRect/>
+          </a:stretch>
+        </p:blipFill>
+        <p:spPr>
+          <a:xfrm>
+            <a:off x="5017845" y="1778466"/>
+            <a:ext cx="6177039" cy="4660084"/>
+          </a:xfrm>
+          <a:prstGeom prst="rect">
+            <a:avLst/>
+          </a:prstGeom>
+        </p:spPr>
+      </p:pic>
     </p:spTree>
     <p:extLst>
       <p:ext uri="{BB962C8B-B14F-4D97-AF65-F5344CB8AC3E}">
@@ -8280,13 +7994,6 @@
   <p:clrMapOvr>
     <a:masterClrMapping/>
   </p:clrMapOvr>
-  <p:timing>
-    <p:tnLst>
-      <p:par>
-        <p:cTn id="1" dur="indefinite" restart="never" nodeType="tmRoot"/>
-      </p:par>
-    </p:tnLst>
-  </p:timing>
 </p:sld>
 </file>
 
@@ -8328,15 +8035,15 @@
           <a:lstStyle/>
           <a:p>
             <a:r>
-              <a:rPr lang="en-US" b="1" dirty="0" smtClean="0"/>
+              <a:rPr lang="en-US" b="1" dirty="0"/>
               <a:t>Insights</a:t>
             </a:r>
             <a:r>
-              <a:rPr lang="en-US" b="1" i="1" dirty="0" smtClean="0"/>
+              <a:rPr lang="en-US" b="1" i="1" dirty="0"/>
               <a:t> </a:t>
             </a:r>
             <a:r>
-              <a:rPr lang="en-US" dirty="0" smtClean="0"/>
+              <a:rPr lang="en-US" dirty="0"/>
               <a:t>for success</a:t>
             </a:r>
             <a:endParaRPr lang="en-US" b="1" dirty="0"/>
@@ -8359,26 +8066,17 @@
           <a:lstStyle/>
           <a:p>
             <a:r>
-              <a:rPr lang="en-US" dirty="0" smtClean="0"/>
-              <a:t>tell me somethin</a:t>
-            </a:r>
-            <a:r>
               <a:rPr lang="en-US" dirty="0"/>
-              <a:t>g</a:t>
-            </a:r>
-            <a:r>
-              <a:rPr lang="en-US" dirty="0" smtClean="0"/>
-              <a:t> </a:t>
-            </a:r>
-            <a:r>
-              <a:rPr lang="en-US" dirty="0" err="1" smtClean="0"/>
+              <a:t>tell me something </a:t>
+            </a:r>
+            <a:r>
+              <a:rPr lang="en-US" dirty="0" err="1"/>
               <a:t>i</a:t>
             </a:r>
             <a:r>
-              <a:rPr lang="en-US" dirty="0" smtClean="0"/>
+              <a:rPr lang="en-US" dirty="0"/>
               <a:t> don’t know</a:t>
             </a:r>
-            <a:endParaRPr lang="en-US" dirty="0"/>
           </a:p>
         </p:txBody>
       </p:sp>
@@ -8395,13 +8093,6 @@
   <p:transition spd="slow">
     <p:push dir="u"/>
   </p:transition>
-  <p:timing>
-    <p:tnLst>
-      <p:par>
-        <p:cTn id="1" dur="indefinite" restart="never" nodeType="tmRoot"/>
-      </p:par>
-    </p:tnLst>
-  </p:timing>
 </p:sld>
 </file>
 
@@ -8470,13 +8161,6 @@
   <p:clrMapOvr>
     <a:masterClrMapping/>
   </p:clrMapOvr>
-  <p:timing>
-    <p:tnLst>
-      <p:par>
-        <p:cTn id="1" dur="indefinite" restart="never" nodeType="tmRoot"/>
-      </p:par>
-    </p:tnLst>
-  </p:timing>
 </p:sld>
 </file>
 
@@ -8518,11 +8202,11 @@
           <a:lstStyle/>
           <a:p>
             <a:r>
-              <a:rPr lang="en-US" dirty="0" smtClean="0"/>
+              <a:rPr lang="en-US" dirty="0"/>
               <a:t>The </a:t>
             </a:r>
             <a:r>
-              <a:rPr lang="en-US" b="1" dirty="0" smtClean="0"/>
+              <a:rPr lang="en-US" b="1" dirty="0"/>
               <a:t>Implications</a:t>
             </a:r>
             <a:endParaRPr lang="en-US" dirty="0"/>
@@ -8561,13 +8245,6 @@
   <p:transition spd="slow">
     <p:push dir="u"/>
   </p:transition>
-  <p:timing>
-    <p:tnLst>
-      <p:par>
-        <p:cTn id="1" dur="indefinite" restart="never" nodeType="tmRoot"/>
-      </p:par>
-    </p:tnLst>
-  </p:timing>
 </p:sld>
 </file>
 
@@ -8636,13 +8313,6 @@
   <p:clrMapOvr>
     <a:masterClrMapping/>
   </p:clrMapOvr>
-  <p:timing>
-    <p:tnLst>
-      <p:par>
-        <p:cTn id="1" dur="indefinite" restart="never" nodeType="tmRoot"/>
-      </p:par>
-    </p:tnLst>
-  </p:timing>
 </p:sld>
 </file>
 
@@ -8679,10 +8349,9 @@
           <a:lstStyle/>
           <a:p>
             <a:r>
-              <a:rPr lang="en-US" dirty="0" smtClean="0"/>
+              <a:rPr lang="en-US" dirty="0"/>
               <a:t>Thank You</a:t>
             </a:r>
-            <a:endParaRPr lang="en-US" dirty="0"/>
           </a:p>
         </p:txBody>
       </p:sp>
@@ -8718,13 +8387,6 @@
   <p:transition spd="slow">
     <p:push dir="u"/>
   </p:transition>
-  <p:timing>
-    <p:tnLst>
-      <p:par>
-        <p:cTn id="1" dur="indefinite" restart="never" nodeType="tmRoot"/>
-      </p:par>
-    </p:tnLst>
-  </p:timing>
 </p:sld>
 </file>
 
@@ -8767,7 +8429,7 @@
           <a:lstStyle/>
           <a:p>
             <a:r>
-              <a:rPr lang="en-US" b="0" dirty="0" smtClean="0">
+              <a:rPr lang="en-US" b="0" dirty="0">
                 <a:effectLst/>
               </a:rPr>
               <a:t> </a:t>
@@ -8798,10 +8460,9 @@
           <a:p>
             <a:pPr algn="ctr"/>
             <a:r>
-              <a:rPr lang="en-US" sz="6000" b="1" dirty="0" smtClean="0"/>
+              <a:rPr lang="en-US" sz="6000" b="1" dirty="0"/>
               <a:t>68%</a:t>
             </a:r>
-            <a:endParaRPr lang="en-US" sz="6000" b="1" dirty="0"/>
           </a:p>
         </p:txBody>
       </p:sp>
@@ -8835,23 +8496,8 @@
                 </a:solidFill>
                 <a:latin typeface="+mj-lt"/>
               </a:rPr>
-              <a:t>U</a:t>
-            </a:r>
-            <a:r>
-              <a:rPr lang="en-US" sz="3400" dirty="0" smtClean="0">
-                <a:solidFill>
-                  <a:schemeClr val="bg1"/>
-                </a:solidFill>
-                <a:latin typeface="+mj-lt"/>
-              </a:rPr>
-              <a:t>nsuccessful campaigns in years 2009-2018</a:t>
-            </a:r>
-            <a:endParaRPr lang="en-US" sz="3400" dirty="0">
-              <a:solidFill>
-                <a:schemeClr val="bg1"/>
-              </a:solidFill>
-              <a:latin typeface="+mj-lt"/>
-            </a:endParaRPr>
+              <a:t>Unsuccessful campaigns in years 2009-2018</a:t>
+            </a:r>
           </a:p>
         </p:txBody>
       </p:sp>
@@ -8878,7 +8524,7 @@
           <a:p>
             <a:pPr algn="ctr"/>
             <a:r>
-              <a:rPr lang="en-US" sz="2800" b="0" i="0" u="none" strike="noStrike" smtClean="0">
+              <a:rPr lang="en-US" sz="2800" b="0" i="0" u="none" strike="noStrike">
                 <a:solidFill>
                   <a:srgbClr val="595959"/>
                 </a:solidFill>
@@ -8888,7 +8534,7 @@
               <a:t>a </a:t>
             </a:r>
             <a:r>
-              <a:rPr lang="en-US" sz="2800" b="0" i="0" u="none" strike="noStrike" dirty="0" smtClean="0">
+              <a:rPr lang="en-US" sz="2800" b="0" i="0" u="none" strike="noStrike" dirty="0">
                 <a:solidFill>
                   <a:srgbClr val="595959"/>
                 </a:solidFill>
@@ -8898,7 +8544,7 @@
               <a:t>global </a:t>
             </a:r>
             <a:r>
-              <a:rPr lang="en-US" sz="2800" b="1" i="0" u="none" strike="noStrike" dirty="0" smtClean="0">
+              <a:rPr lang="en-US" sz="2800" b="1" i="0" u="none" strike="noStrike" dirty="0">
                 <a:solidFill>
                   <a:srgbClr val="595959"/>
                 </a:solidFill>
@@ -8908,7 +8554,7 @@
               <a:t>crowdfunding platform</a:t>
             </a:r>
             <a:r>
-              <a:rPr lang="en-US" sz="2800" b="0" i="0" u="none" strike="noStrike" dirty="0" smtClean="0">
+              <a:rPr lang="en-US" sz="2800" b="0" i="0" u="none" strike="noStrike" dirty="0">
                 <a:solidFill>
                   <a:srgbClr val="595959"/>
                 </a:solidFill>
@@ -8918,7 +8564,7 @@
               <a:t> where “creators” can run “campaigns” for people to fund and “back” </a:t>
             </a:r>
             <a:r>
-              <a:rPr lang="en-US" sz="2800" b="0" i="0" u="none" strike="noStrike" smtClean="0">
+              <a:rPr lang="en-US" sz="2800" b="0" i="0" u="none" strike="noStrike">
                 <a:solidFill>
                   <a:srgbClr val="595959"/>
                 </a:solidFill>
@@ -8927,7 +8573,7 @@
               </a:rPr>
               <a:t>their project</a:t>
             </a:r>
-            <a:endParaRPr lang="en-US" sz="2800" b="0" dirty="0" smtClean="0">
+            <a:endParaRPr lang="en-US" sz="2800" b="0" dirty="0">
               <a:effectLst/>
               <a:latin typeface="Raleway"/>
             </a:endParaRPr>
@@ -8977,10 +8623,9 @@
           <a:p>
             <a:pPr algn="ctr"/>
             <a:r>
-              <a:rPr lang="en-US" sz="6000" b="1" dirty="0" smtClean="0"/>
+              <a:rPr lang="en-US" sz="6000" b="1" dirty="0"/>
               <a:t>$4.6B</a:t>
             </a:r>
-            <a:endParaRPr lang="en-US" sz="6000" b="1" dirty="0"/>
           </a:p>
         </p:txBody>
       </p:sp>
@@ -9202,7 +8847,7 @@
           <a:p>
             <a:pPr algn="ctr"/>
             <a:r>
-              <a:rPr lang="en-US" sz="3400" dirty="0" smtClean="0">
+              <a:rPr lang="en-US" sz="3400" dirty="0">
                 <a:solidFill>
                   <a:schemeClr val="bg1"/>
                 </a:solidFill>
@@ -9210,12 +8855,6 @@
               </a:rPr>
               <a:t>Overall funding in years 2009-2018</a:t>
             </a:r>
-            <a:endParaRPr lang="en-US" sz="3400" dirty="0">
-              <a:solidFill>
-                <a:schemeClr val="bg1"/>
-              </a:solidFill>
-              <a:latin typeface="+mj-lt"/>
-            </a:endParaRPr>
           </a:p>
         </p:txBody>
       </p:sp>
@@ -9496,13 +9135,8 @@
           <a:p>
             <a:r>
               <a:rPr lang="en-US" dirty="0"/>
-              <a:t>Market </a:t>
-            </a:r>
-            <a:r>
-              <a:rPr lang="en-US" dirty="0" smtClean="0"/>
-              <a:t>reminder #1</a:t>
-            </a:r>
-            <a:endParaRPr lang="en-US" dirty="0"/>
+              <a:t>Market reminder #1</a:t>
+            </a:r>
           </a:p>
         </p:txBody>
       </p:sp>
@@ -9527,21 +9161,13 @@
           <a:lstStyle/>
           <a:p>
             <a:r>
-              <a:rPr lang="en-US" dirty="0" smtClean="0"/>
-              <a:t>The most popular segments are </a:t>
-            </a:r>
-            <a:r>
               <a:rPr lang="en-US" dirty="0"/>
-              <a:t>not </a:t>
-            </a:r>
-            <a:r>
-              <a:rPr lang="en-US" dirty="0" smtClean="0"/>
-              <a:t>necessarily </a:t>
-            </a:r>
-          </a:p>
-          <a:p>
-            <a:r>
-              <a:rPr lang="en-US" dirty="0" smtClean="0"/>
+              <a:t>The most popular segments are not necessarily </a:t>
+            </a:r>
+          </a:p>
+          <a:p>
+            <a:r>
+              <a:rPr lang="en-US" dirty="0"/>
               <a:t>the most profitable </a:t>
             </a:r>
             <a:endParaRPr lang="en-US" i="1" dirty="0"/>
@@ -9561,13 +9187,6 @@
   <p:transition spd="slow">
     <p:push/>
   </p:transition>
-  <p:timing>
-    <p:tnLst>
-      <p:par>
-        <p:cTn id="1" dur="indefinite" restart="never" nodeType="tmRoot"/>
-      </p:par>
-    </p:tnLst>
-  </p:timing>
 </p:sld>
 </file>
 
@@ -9641,7 +9260,7 @@
           <a:lstStyle/>
           <a:p>
             <a:r>
-              <a:rPr lang="en-US" sz="2800" smtClean="0"/>
+              <a:rPr lang="en-US" sz="2800"/>
               <a:t>Campaign segmentation </a:t>
             </a:r>
             <a:endParaRPr lang="he-IL" sz="2800"/>
@@ -9740,13 +9359,6 @@
   <p:transition spd="slow">
     <p:push dir="u"/>
   </p:transition>
-  <p:timing>
-    <p:tnLst>
-      <p:par>
-        <p:cTn id="1" dur="indefinite" restart="never" nodeType="tmRoot"/>
-      </p:par>
-    </p:tnLst>
-  </p:timing>
 </p:sld>
 </file>
 
@@ -9789,13 +9401,8 @@
           <a:p>
             <a:r>
               <a:rPr lang="en-US" dirty="0"/>
-              <a:t>Market </a:t>
-            </a:r>
-            <a:r>
-              <a:rPr lang="en-US" dirty="0" smtClean="0"/>
-              <a:t>reminder #2</a:t>
-            </a:r>
-            <a:endParaRPr lang="en-US" dirty="0"/>
+              <a:t>Market reminder #2</a:t>
+            </a:r>
           </a:p>
         </p:txBody>
       </p:sp>
@@ -9820,7 +9427,7 @@
           <a:lstStyle/>
           <a:p>
             <a:r>
-              <a:rPr lang="en-US" dirty="0" smtClean="0"/>
+              <a:rPr lang="en-US" dirty="0"/>
               <a:t>High goal=bad odds</a:t>
             </a:r>
             <a:endParaRPr lang="en-US" i="1" dirty="0"/>
@@ -9840,13 +9447,6 @@
   <p:transition spd="slow">
     <p:push/>
   </p:transition>
-  <p:timing>
-    <p:tnLst>
-      <p:par>
-        <p:cTn id="1" dur="indefinite" restart="never" nodeType="tmRoot"/>
-      </p:par>
-    </p:tnLst>
-  </p:timing>
 </p:sld>
 </file>
 
@@ -9923,7 +9523,7 @@
           <a:lstStyle/>
           <a:p>
             <a:r>
-              <a:rPr lang="en-US" sz="2800" dirty="0" smtClean="0"/>
+              <a:rPr lang="en-US" sz="2800" dirty="0"/>
               <a:t>Campaign goal</a:t>
             </a:r>
             <a:endParaRPr lang="he-IL" sz="2800" dirty="0"/>
@@ -9975,11 +9575,11 @@
           </a:lstStyle>
           <a:p>
             <a:r>
-              <a:rPr lang="en-US" sz="2800" dirty="0" smtClean="0"/>
+              <a:rPr lang="en-US" sz="2800" dirty="0"/>
               <a:t>Goal</a:t>
             </a:r>
             <a:r>
-              <a:rPr lang="en-US" sz="2000" dirty="0" smtClean="0"/>
+              <a:rPr lang="en-US" sz="2000" dirty="0"/>
               <a:t>  </a:t>
             </a:r>
             <a:endParaRPr lang="he-IL" sz="2000" dirty="0"/>
@@ -10029,11 +9629,11 @@
           </a:lstStyle>
           <a:p>
             <a:r>
-              <a:rPr lang="en-US" sz="2800" dirty="0" smtClean="0"/>
+              <a:rPr lang="en-US" sz="2800" dirty="0"/>
               <a:t>Category</a:t>
             </a:r>
             <a:r>
-              <a:rPr lang="en-US" sz="2000" dirty="0" smtClean="0"/>
+              <a:rPr lang="en-US" sz="2000" dirty="0"/>
               <a:t> </a:t>
             </a:r>
             <a:endParaRPr lang="he-IL" sz="2000" dirty="0"/>
@@ -10053,13 +9653,6 @@
   <p:transition spd="slow">
     <p:push dir="u"/>
   </p:transition>
-  <p:timing>
-    <p:tnLst>
-      <p:par>
-        <p:cTn id="1" dur="indefinite" restart="never" nodeType="tmRoot"/>
-      </p:par>
-    </p:tnLst>
-  </p:timing>
 </p:sld>
 </file>
 
@@ -10102,13 +9695,8 @@
           <a:p>
             <a:r>
               <a:rPr lang="en-US" dirty="0"/>
-              <a:t>Market </a:t>
-            </a:r>
-            <a:r>
-              <a:rPr lang="en-US" dirty="0" smtClean="0"/>
-              <a:t>reminder #3</a:t>
-            </a:r>
-            <a:endParaRPr lang="en-US" dirty="0"/>
+              <a:t>Market reminder #3</a:t>
+            </a:r>
           </a:p>
         </p:txBody>
       </p:sp>
@@ -10133,7 +9721,7 @@
           <a:lstStyle/>
           <a:p>
             <a:r>
-              <a:rPr lang="en-US" dirty="0" smtClean="0"/>
+              <a:rPr lang="en-US" dirty="0"/>
               <a:t>Ones you reach your goal- the founds increase</a:t>
             </a:r>
             <a:endParaRPr lang="en-US" i="1" dirty="0"/>
@@ -10153,13 +9741,6 @@
   <p:transition spd="slow">
     <p:push/>
   </p:transition>
-  <p:timing>
-    <p:tnLst>
-      <p:par>
-        <p:cTn id="1" dur="indefinite" restart="never" nodeType="tmRoot"/>
-      </p:par>
-    </p:tnLst>
-  </p:timing>
 </p:sld>
 </file>
 
@@ -10338,7 +9919,7 @@
           </a:lstStyle>
           <a:p>
             <a:r>
-              <a:rPr lang="en-US" sz="2800" smtClean="0"/>
+              <a:rPr lang="en-US" sz="2800"/>
               <a:t>Category </a:t>
             </a:r>
             <a:endParaRPr lang="he-IL" sz="2800"/>
@@ -10358,13 +9939,6 @@
   <p:transition spd="slow">
     <p:push dir="u"/>
   </p:transition>
-  <p:timing>
-    <p:tnLst>
-      <p:par>
-        <p:cTn id="1" dur="indefinite" restart="never" nodeType="tmRoot"/>
-      </p:par>
-    </p:tnLst>
-  </p:timing>
 </p:sld>
 </file>
 

--- a/updated KO.pptx
+++ b/updated KO.pptx
@@ -28,28 +28,29 @@
     <p:sldId id="302" r:id="rId22"/>
     <p:sldId id="291" r:id="rId23"/>
     <p:sldId id="293" r:id="rId24"/>
-    <p:sldId id="262" r:id="rId25"/>
-    <p:sldId id="294" r:id="rId26"/>
-    <p:sldId id="265" r:id="rId27"/>
-    <p:sldId id="295" r:id="rId28"/>
-    <p:sldId id="278" r:id="rId29"/>
+    <p:sldId id="303" r:id="rId25"/>
+    <p:sldId id="262" r:id="rId26"/>
+    <p:sldId id="294" r:id="rId27"/>
+    <p:sldId id="265" r:id="rId28"/>
+    <p:sldId id="295" r:id="rId29"/>
+    <p:sldId id="278" r:id="rId30"/>
   </p:sldIdLst>
   <p:sldSz cx="12192000" cy="6858000"/>
   <p:notesSz cx="6858000" cy="9144000"/>
   <p:embeddedFontLst>
     <p:embeddedFont>
       <p:font typeface="Calibri" panose="020F0502020204030204" pitchFamily="34" charset="0"/>
-      <p:regular r:id="rId30"/>
-      <p:bold r:id="rId31"/>
-      <p:italic r:id="rId32"/>
-      <p:boldItalic r:id="rId33"/>
+      <p:regular r:id="rId31"/>
+      <p:bold r:id="rId32"/>
+      <p:italic r:id="rId33"/>
+      <p:boldItalic r:id="rId34"/>
     </p:embeddedFont>
     <p:embeddedFont>
       <p:font typeface="Raleway" panose="020B0604020202020204" charset="0"/>
-      <p:regular r:id="rId34"/>
-      <p:bold r:id="rId35"/>
-      <p:italic r:id="rId36"/>
-      <p:boldItalic r:id="rId37"/>
+      <p:regular r:id="rId35"/>
+      <p:bold r:id="rId36"/>
+      <p:italic r:id="rId37"/>
+      <p:boldItalic r:id="rId38"/>
     </p:embeddedFont>
   </p:embeddedFontLst>
   <p:defaultTextStyle>
@@ -366,7 +367,7 @@
           <a:p>
             <a:fld id="{1FD00883-6618-4816-A7E8-192F7908481C}" type="datetimeFigureOut">
               <a:rPr lang="en-US" smtClean="0"/>
-              <a:t>06-Jan-19</a:t>
+              <a:t>07-Jan-19</a:t>
             </a:fld>
             <a:endParaRPr lang="en-US"/>
           </a:p>
@@ -556,7 +557,7 @@
           <a:p>
             <a:fld id="{1FD00883-6618-4816-A7E8-192F7908481C}" type="datetimeFigureOut">
               <a:rPr lang="en-US" smtClean="0"/>
-              <a:t>06-Jan-19</a:t>
+              <a:t>07-Jan-19</a:t>
             </a:fld>
             <a:endParaRPr lang="en-US"/>
           </a:p>
@@ -736,7 +737,7 @@
           <a:p>
             <a:fld id="{1FD00883-6618-4816-A7E8-192F7908481C}" type="datetimeFigureOut">
               <a:rPr lang="en-US" smtClean="0"/>
-              <a:t>06-Jan-19</a:t>
+              <a:t>07-Jan-19</a:t>
             </a:fld>
             <a:endParaRPr lang="en-US"/>
           </a:p>
@@ -906,7 +907,7 @@
           <a:p>
             <a:fld id="{1FD00883-6618-4816-A7E8-192F7908481C}" type="datetimeFigureOut">
               <a:rPr lang="en-US" smtClean="0"/>
-              <a:t>06-Jan-19</a:t>
+              <a:t>07-Jan-19</a:t>
             </a:fld>
             <a:endParaRPr lang="en-US"/>
           </a:p>
@@ -1162,7 +1163,7 @@
           <a:p>
             <a:fld id="{1FD00883-6618-4816-A7E8-192F7908481C}" type="datetimeFigureOut">
               <a:rPr lang="en-US" smtClean="0"/>
-              <a:t>06-Jan-19</a:t>
+              <a:t>07-Jan-19</a:t>
             </a:fld>
             <a:endParaRPr lang="en-US"/>
           </a:p>
@@ -1460,7 +1461,7 @@
           <a:p>
             <a:fld id="{1FD00883-6618-4816-A7E8-192F7908481C}" type="datetimeFigureOut">
               <a:rPr lang="en-US" smtClean="0"/>
-              <a:t>06-Jan-19</a:t>
+              <a:t>07-Jan-19</a:t>
             </a:fld>
             <a:endParaRPr lang="en-US"/>
           </a:p>
@@ -1898,7 +1899,7 @@
           <a:p>
             <a:fld id="{1FD00883-6618-4816-A7E8-192F7908481C}" type="datetimeFigureOut">
               <a:rPr lang="en-US" smtClean="0"/>
-              <a:t>06-Jan-19</a:t>
+              <a:t>07-Jan-19</a:t>
             </a:fld>
             <a:endParaRPr lang="en-US"/>
           </a:p>
@@ -2016,7 +2017,7 @@
           <a:p>
             <a:fld id="{1FD00883-6618-4816-A7E8-192F7908481C}" type="datetimeFigureOut">
               <a:rPr lang="en-US" smtClean="0"/>
-              <a:t>06-Jan-19</a:t>
+              <a:t>07-Jan-19</a:t>
             </a:fld>
             <a:endParaRPr lang="en-US"/>
           </a:p>
@@ -2111,7 +2112,7 @@
           <a:p>
             <a:fld id="{1FD00883-6618-4816-A7E8-192F7908481C}" type="datetimeFigureOut">
               <a:rPr lang="en-US" smtClean="0"/>
-              <a:t>06-Jan-19</a:t>
+              <a:t>07-Jan-19</a:t>
             </a:fld>
             <a:endParaRPr lang="en-US"/>
           </a:p>
@@ -2467,7 +2468,7 @@
           <a:p>
             <a:fld id="{1FD00883-6618-4816-A7E8-192F7908481C}" type="datetimeFigureOut">
               <a:rPr lang="en-US" smtClean="0"/>
-              <a:t>06-Jan-19</a:t>
+              <a:t>07-Jan-19</a:t>
             </a:fld>
             <a:endParaRPr lang="en-US"/>
           </a:p>
@@ -2783,7 +2784,7 @@
           <a:p>
             <a:fld id="{1FD00883-6618-4816-A7E8-192F7908481C}" type="datetimeFigureOut">
               <a:rPr lang="en-US" smtClean="0"/>
-              <a:t>06-Jan-19</a:t>
+              <a:t>07-Jan-19</a:t>
             </a:fld>
             <a:endParaRPr lang="en-US"/>
           </a:p>
@@ -3016,7 +3017,7 @@
           <a:p>
             <a:fld id="{1FD00883-6618-4816-A7E8-192F7908481C}" type="datetimeFigureOut">
               <a:rPr lang="en-US" smtClean="0"/>
-              <a:t>06-Jan-19</a:t>
+              <a:t>07-Jan-19</a:t>
             </a:fld>
             <a:endParaRPr lang="en-US"/>
           </a:p>
@@ -3684,7 +3685,7 @@
             </a:pPr>
             <a:r>
               <a:rPr lang="en-US" dirty="0"/>
-              <a:t>Give insight into what attributes would make a successful campaign </a:t>
+              <a:t>Provide insight into what attributes would make a successful campaign </a:t>
             </a:r>
           </a:p>
           <a:p>
@@ -3698,7 +3699,7 @@
             </a:pPr>
             <a:r>
               <a:rPr lang="en-US" dirty="0"/>
-              <a:t>Find every campaign most efficient founding goal</a:t>
+              <a:t>Tailor the funding goal per campaign specifics.</a:t>
             </a:r>
           </a:p>
           <a:p>
@@ -3747,7 +3748,7 @@
           <a:graphicData uri="http://schemas.openxmlformats.org/presentationml/2006/ole">
             <mc:AlternateContent xmlns:mc="http://schemas.openxmlformats.org/markup-compatibility/2006">
               <mc:Choice xmlns:v="urn:schemas-microsoft-com:vml" Requires="v">
-                <p:oleObj spid="_x0000_s3422" name="Image" r:id="rId3" imgW="780120" imgH="682560" progId="Photoshop.Image.13">
+                <p:oleObj spid="_x0000_s3431" name="Image" r:id="rId3" imgW="780120" imgH="682560" progId="Photoshop.Image.13">
                   <p:embed/>
                 </p:oleObj>
               </mc:Choice>
@@ -3804,7 +3805,7 @@
           <a:graphicData uri="http://schemas.openxmlformats.org/presentationml/2006/ole">
             <mc:AlternateContent xmlns:mc="http://schemas.openxmlformats.org/markup-compatibility/2006">
               <mc:Choice xmlns:v="urn:schemas-microsoft-com:vml" Requires="v">
-                <p:oleObj spid="_x0000_s3423" name="Image" r:id="rId5" imgW="780120" imgH="780120" progId="Photoshop.Image.13">
+                <p:oleObj spid="_x0000_s3432" name="Image" r:id="rId5" imgW="780120" imgH="780120" progId="Photoshop.Image.13">
                   <p:embed/>
                 </p:oleObj>
               </mc:Choice>
@@ -3861,7 +3862,7 @@
           <a:graphicData uri="http://schemas.openxmlformats.org/presentationml/2006/ole">
             <mc:AlternateContent xmlns:mc="http://schemas.openxmlformats.org/markup-compatibility/2006">
               <mc:Choice xmlns:v="urn:schemas-microsoft-com:vml" Requires="v">
-                <p:oleObj spid="_x0000_s3424" name="Image" r:id="rId7" imgW="780120" imgH="780120" progId="Photoshop.Image.13">
+                <p:oleObj spid="_x0000_s3433" name="Image" r:id="rId7" imgW="780120" imgH="780120" progId="Photoshop.Image.13">
                   <p:embed/>
                 </p:oleObj>
               </mc:Choice>
@@ -7823,25 +7824,19 @@
         </p:spPr>
         <p:txBody>
           <a:bodyPr>
-            <a:normAutofit lnSpcReduction="10000"/>
+            <a:normAutofit/>
           </a:bodyPr>
           <a:lstStyle/>
           <a:p>
             <a:r>
               <a:rPr lang="en-US" dirty="0"/>
-              <a:t>?</a:t>
+              <a:t>Linear</a:t>
             </a:r>
           </a:p>
           <a:p>
             <a:r>
               <a:rPr lang="en-US" dirty="0"/>
-              <a:t>Linear?</a:t>
-            </a:r>
-          </a:p>
-          <a:p>
-            <a:r>
-              <a:rPr lang="en-US" dirty="0"/>
-              <a:t>Polynomial?</a:t>
+              <a:t>Polynomial</a:t>
             </a:r>
           </a:p>
           <a:p>
@@ -7968,16 +7963,15 @@
           </p:cNvPicPr>
           <p:nvPr/>
         </p:nvPicPr>
-        <p:blipFill>
+        <p:blipFill rotWithShape="1">
           <a:blip r:embed="rId2"/>
-          <a:stretch>
-            <a:fillRect/>
-          </a:stretch>
+          <a:srcRect l="2288" t="1260"/>
+          <a:stretch/>
         </p:blipFill>
         <p:spPr>
           <a:xfrm>
-            <a:off x="5017845" y="1778466"/>
-            <a:ext cx="6177039" cy="4660084"/>
+            <a:off x="4848837" y="1600558"/>
+            <a:ext cx="6346047" cy="4837992"/>
           </a:xfrm>
           <a:prstGeom prst="rect">
             <a:avLst/>
@@ -8016,7 +8010,13 @@
       </p:grpSpPr>
       <p:sp>
         <p:nvSpPr>
-          <p:cNvPr id="2" name="Title 1"/>
+          <p:cNvPr id="2" name="Title 1">
+            <a:extLst>
+              <a:ext uri="{FF2B5EF4-FFF2-40B4-BE49-F238E27FC236}">
+                <a16:creationId xmlns:a16="http://schemas.microsoft.com/office/drawing/2014/main" id="{F224BF85-A21F-487D-963F-9A75DFECE9EB}"/>
+              </a:ext>
+            </a:extLst>
+          </p:cNvPr>
           <p:cNvSpPr>
             <a:spLocks noGrp="1"/>
           </p:cNvSpPr>
@@ -8026,33 +8026,32 @@
         </p:nvSpPr>
         <p:spPr>
           <a:xfrm>
-            <a:off x="603504" y="767419"/>
-            <a:ext cx="11112246" cy="3355848"/>
+            <a:off x="603504" y="132914"/>
+            <a:ext cx="10780776" cy="1162049"/>
           </a:xfrm>
         </p:spPr>
         <p:txBody>
-          <a:bodyPr/>
+          <a:bodyPr>
+            <a:normAutofit fontScale="90000"/>
+          </a:bodyPr>
           <a:lstStyle/>
           <a:p>
             <a:r>
-              <a:rPr lang="en-US" b="1" dirty="0"/>
-              <a:t>Insights</a:t>
-            </a:r>
-            <a:r>
-              <a:rPr lang="en-US" b="1" i="1" dirty="0"/>
-              <a:t> </a:t>
-            </a:r>
-            <a:r>
               <a:rPr lang="en-US" dirty="0"/>
-              <a:t>for success</a:t>
-            </a:r>
-            <a:endParaRPr lang="en-US" b="1" dirty="0"/>
-          </a:p>
-        </p:txBody>
-      </p:sp>
-      <p:sp>
-        <p:nvSpPr>
-          <p:cNvPr id="3" name="Text Placeholder 2"/>
+              <a:t>Polynomial Regression </a:t>
+            </a:r>
+          </a:p>
+        </p:txBody>
+      </p:sp>
+      <p:sp>
+        <p:nvSpPr>
+          <p:cNvPr id="3" name="Text Placeholder 2">
+            <a:extLst>
+              <a:ext uri="{FF2B5EF4-FFF2-40B4-BE49-F238E27FC236}">
+                <a16:creationId xmlns:a16="http://schemas.microsoft.com/office/drawing/2014/main" id="{B44B4626-BE45-4AA2-896E-8429124D43A8}"/>
+              </a:ext>
+            </a:extLst>
+          </p:cNvPr>
           <p:cNvSpPr>
             <a:spLocks noGrp="1"/>
           </p:cNvSpPr>
@@ -8060,39 +8059,102 @@
             <p:ph type="body" idx="1"/>
           </p:nvPr>
         </p:nvSpPr>
-        <p:spPr/>
-        <p:txBody>
-          <a:bodyPr/>
+        <p:spPr>
+          <a:xfrm>
+            <a:off x="667512" y="2407640"/>
+            <a:ext cx="3912877" cy="3442489"/>
+          </a:xfrm>
+        </p:spPr>
+        <p:txBody>
+          <a:bodyPr>
+            <a:normAutofit lnSpcReduction="10000"/>
+          </a:bodyPr>
           <a:lstStyle/>
           <a:p>
             <a:r>
+              <a:rPr lang="en-US" sz="2800" dirty="0"/>
+              <a:t>Polynomial degree=5</a:t>
+            </a:r>
+          </a:p>
+          <a:p>
+            <a:r>
               <a:rPr lang="en-US" dirty="0"/>
-              <a:t>tell me something </a:t>
-            </a:r>
-            <a:r>
-              <a:rPr lang="en-US" dirty="0" err="1"/>
-              <a:t>i</a:t>
-            </a:r>
-            <a:r>
-              <a:rPr lang="en-US" dirty="0"/>
-              <a:t> don’t know</a:t>
-            </a:r>
-          </a:p>
-        </p:txBody>
-      </p:sp>
+              <a:t>R</a:t>
+            </a:r>
+            <a:r>
+              <a:rPr lang="en-US" dirty="0">
+                <a:latin typeface="Calibri" panose="020F0502020204030204" pitchFamily="34" charset="0"/>
+                <a:cs typeface="Calibri" panose="020F0502020204030204" pitchFamily="34" charset="0"/>
+              </a:rPr>
+              <a:t>²=0.05</a:t>
+            </a:r>
+          </a:p>
+          <a:p>
+            <a:endParaRPr lang="en-US" dirty="0">
+              <a:latin typeface="Calibri" panose="020F0502020204030204" pitchFamily="34" charset="0"/>
+              <a:cs typeface="Calibri" panose="020F0502020204030204" pitchFamily="34" charset="0"/>
+            </a:endParaRPr>
+          </a:p>
+          <a:p>
+            <a:r>
+              <a:rPr lang="en-US" dirty="0">
+                <a:latin typeface="Calibri" panose="020F0502020204030204" pitchFamily="34" charset="0"/>
+                <a:cs typeface="Calibri" panose="020F0502020204030204" pitchFamily="34" charset="0"/>
+              </a:rPr>
+              <a:t>Conclusion: </a:t>
+            </a:r>
+          </a:p>
+          <a:p>
+            <a:r>
+              <a:rPr lang="en-US" dirty="0">
+                <a:latin typeface="Calibri" panose="020F0502020204030204" pitchFamily="34" charset="0"/>
+                <a:cs typeface="Calibri" panose="020F0502020204030204" pitchFamily="34" charset="0"/>
+              </a:rPr>
+              <a:t>The data is not a good fit for regression methods.</a:t>
+            </a:r>
+            <a:endParaRPr lang="en-US" dirty="0"/>
+          </a:p>
+        </p:txBody>
+      </p:sp>
+      <p:pic>
+        <p:nvPicPr>
+          <p:cNvPr id="7" name="Picture 6">
+            <a:extLst>
+              <a:ext uri="{FF2B5EF4-FFF2-40B4-BE49-F238E27FC236}">
+                <a16:creationId xmlns:a16="http://schemas.microsoft.com/office/drawing/2014/main" id="{A897996A-0A55-448B-979A-1FD277AD57F9}"/>
+              </a:ext>
+            </a:extLst>
+          </p:cNvPr>
+          <p:cNvPicPr>
+            <a:picLocks noChangeAspect="1"/>
+          </p:cNvPicPr>
+          <p:nvPr/>
+        </p:nvPicPr>
+        <p:blipFill rotWithShape="1">
+          <a:blip r:embed="rId2"/>
+          <a:srcRect l="2488"/>
+          <a:stretch/>
+        </p:blipFill>
+        <p:spPr>
+          <a:xfrm>
+            <a:off x="4632281" y="1644243"/>
+            <a:ext cx="6751999" cy="5080844"/>
+          </a:xfrm>
+          <a:prstGeom prst="rect">
+            <a:avLst/>
+          </a:prstGeom>
+        </p:spPr>
+      </p:pic>
     </p:spTree>
     <p:extLst>
       <p:ext uri="{BB962C8B-B14F-4D97-AF65-F5344CB8AC3E}">
-        <p14:creationId xmlns:p14="http://schemas.microsoft.com/office/powerpoint/2010/main" val="4078612861"/>
+        <p14:creationId xmlns:p14="http://schemas.microsoft.com/office/powerpoint/2010/main" val="1495077207"/>
       </p:ext>
     </p:extLst>
   </p:cSld>
   <p:clrMapOvr>
     <a:masterClrMapping/>
   </p:clrMapOvr>
-  <p:transition spd="slow">
-    <p:push dir="u"/>
-  </p:transition>
 </p:sld>
 </file>
 
@@ -8123,12 +8185,29 @@
             <p:ph type="title"/>
           </p:nvPr>
         </p:nvSpPr>
-        <p:spPr/>
+        <p:spPr>
+          <a:xfrm>
+            <a:off x="603504" y="767419"/>
+            <a:ext cx="11112246" cy="3355848"/>
+          </a:xfrm>
+        </p:spPr>
         <p:txBody>
           <a:bodyPr/>
           <a:lstStyle/>
           <a:p>
-            <a:endParaRPr lang="he-IL"/>
+            <a:r>
+              <a:rPr lang="en-US" b="1" dirty="0"/>
+              <a:t>Insights</a:t>
+            </a:r>
+            <a:r>
+              <a:rPr lang="en-US" b="1" i="1" dirty="0"/>
+              <a:t> </a:t>
+            </a:r>
+            <a:r>
+              <a:rPr lang="en-US" dirty="0"/>
+              <a:t>for success</a:t>
+            </a:r>
+            <a:endParaRPr lang="en-US" b="1" dirty="0"/>
           </a:p>
         </p:txBody>
       </p:sp>
@@ -8147,20 +8226,34 @@
           <a:bodyPr/>
           <a:lstStyle/>
           <a:p>
-            <a:endParaRPr lang="he-IL"/>
+            <a:r>
+              <a:rPr lang="en-US" dirty="0"/>
+              <a:t>tell me something </a:t>
+            </a:r>
+            <a:r>
+              <a:rPr lang="en-US" dirty="0" err="1"/>
+              <a:t>i</a:t>
+            </a:r>
+            <a:r>
+              <a:rPr lang="en-US" dirty="0"/>
+              <a:t> don’t know</a:t>
+            </a:r>
           </a:p>
         </p:txBody>
       </p:sp>
     </p:spTree>
     <p:extLst>
       <p:ext uri="{BB962C8B-B14F-4D97-AF65-F5344CB8AC3E}">
-        <p14:creationId xmlns:p14="http://schemas.microsoft.com/office/powerpoint/2010/main" val="255015065"/>
+        <p14:creationId xmlns:p14="http://schemas.microsoft.com/office/powerpoint/2010/main" val="4078612861"/>
       </p:ext>
     </p:extLst>
   </p:cSld>
   <p:clrMapOvr>
     <a:masterClrMapping/>
   </p:clrMapOvr>
+  <p:transition spd="slow">
+    <p:push dir="u"/>
+  </p:transition>
 </p:sld>
 </file>
 
@@ -8191,31 +8284,18 @@
             <p:ph type="title"/>
           </p:nvPr>
         </p:nvSpPr>
-        <p:spPr>
-          <a:xfrm>
-            <a:off x="603503" y="767419"/>
-            <a:ext cx="11840909" cy="3355848"/>
-          </a:xfrm>
-        </p:spPr>
+        <p:spPr/>
         <p:txBody>
           <a:bodyPr/>
           <a:lstStyle/>
           <a:p>
-            <a:r>
-              <a:rPr lang="en-US" dirty="0"/>
-              <a:t>The </a:t>
-            </a:r>
-            <a:r>
-              <a:rPr lang="en-US" b="1" dirty="0"/>
-              <a:t>Implications</a:t>
-            </a:r>
-            <a:endParaRPr lang="en-US" dirty="0"/>
-          </a:p>
-        </p:txBody>
-      </p:sp>
-      <p:sp>
-        <p:nvSpPr>
-          <p:cNvPr id="4" name="Text Placeholder 3"/>
+            <a:endParaRPr lang="he-IL"/>
+          </a:p>
+        </p:txBody>
+      </p:sp>
+      <p:sp>
+        <p:nvSpPr>
+          <p:cNvPr id="3" name="Text Placeholder 2"/>
           <p:cNvSpPr>
             <a:spLocks noGrp="1"/>
           </p:cNvSpPr>
@@ -8235,16 +8315,13 @@
     </p:spTree>
     <p:extLst>
       <p:ext uri="{BB962C8B-B14F-4D97-AF65-F5344CB8AC3E}">
-        <p14:creationId xmlns:p14="http://schemas.microsoft.com/office/powerpoint/2010/main" val="4130502538"/>
+        <p14:creationId xmlns:p14="http://schemas.microsoft.com/office/powerpoint/2010/main" val="255015065"/>
       </p:ext>
     </p:extLst>
   </p:cSld>
   <p:clrMapOvr>
     <a:masterClrMapping/>
   </p:clrMapOvr>
-  <p:transition spd="slow">
-    <p:push dir="u"/>
-  </p:transition>
 </p:sld>
 </file>
 
@@ -8275,6 +8352,90 @@
             <p:ph type="title"/>
           </p:nvPr>
         </p:nvSpPr>
+        <p:spPr>
+          <a:xfrm>
+            <a:off x="603503" y="767419"/>
+            <a:ext cx="11840909" cy="3355848"/>
+          </a:xfrm>
+        </p:spPr>
+        <p:txBody>
+          <a:bodyPr/>
+          <a:lstStyle/>
+          <a:p>
+            <a:r>
+              <a:rPr lang="en-US" dirty="0"/>
+              <a:t>The </a:t>
+            </a:r>
+            <a:r>
+              <a:rPr lang="en-US" b="1" dirty="0"/>
+              <a:t>Implications</a:t>
+            </a:r>
+            <a:endParaRPr lang="en-US" dirty="0"/>
+          </a:p>
+        </p:txBody>
+      </p:sp>
+      <p:sp>
+        <p:nvSpPr>
+          <p:cNvPr id="4" name="Text Placeholder 3"/>
+          <p:cNvSpPr>
+            <a:spLocks noGrp="1"/>
+          </p:cNvSpPr>
+          <p:nvPr>
+            <p:ph type="body" idx="1"/>
+          </p:nvPr>
+        </p:nvSpPr>
+        <p:spPr/>
+        <p:txBody>
+          <a:bodyPr/>
+          <a:lstStyle/>
+          <a:p>
+            <a:endParaRPr lang="he-IL"/>
+          </a:p>
+        </p:txBody>
+      </p:sp>
+    </p:spTree>
+    <p:extLst>
+      <p:ext uri="{BB962C8B-B14F-4D97-AF65-F5344CB8AC3E}">
+        <p14:creationId xmlns:p14="http://schemas.microsoft.com/office/powerpoint/2010/main" val="4130502538"/>
+      </p:ext>
+    </p:extLst>
+  </p:cSld>
+  <p:clrMapOvr>
+    <a:masterClrMapping/>
+  </p:clrMapOvr>
+  <p:transition spd="slow">
+    <p:push dir="u"/>
+  </p:transition>
+</p:sld>
+</file>
+
+<file path=ppt/slides/slide28.xml><?xml version="1.0" encoding="utf-8"?>
+<p:sld xmlns:a="http://schemas.openxmlformats.org/drawingml/2006/main" xmlns:r="http://schemas.openxmlformats.org/officeDocument/2006/relationships" xmlns:p="http://schemas.openxmlformats.org/presentationml/2006/main">
+  <p:cSld>
+    <p:spTree>
+      <p:nvGrpSpPr>
+        <p:cNvPr id="1" name=""/>
+        <p:cNvGrpSpPr/>
+        <p:nvPr/>
+      </p:nvGrpSpPr>
+      <p:grpSpPr>
+        <a:xfrm>
+          <a:off x="0" y="0"/>
+          <a:ext cx="0" cy="0"/>
+          <a:chOff x="0" y="0"/>
+          <a:chExt cx="0" cy="0"/>
+        </a:xfrm>
+      </p:grpSpPr>
+      <p:sp>
+        <p:nvSpPr>
+          <p:cNvPr id="2" name="Title 1"/>
+          <p:cNvSpPr>
+            <a:spLocks noGrp="1"/>
+          </p:cNvSpPr>
+          <p:nvPr>
+            <p:ph type="title"/>
+          </p:nvPr>
+        </p:nvSpPr>
         <p:spPr/>
         <p:txBody>
           <a:bodyPr/>
@@ -8316,7 +8477,7 @@
 </p:sld>
 </file>
 
-<file path=ppt/slides/slide28.xml><?xml version="1.0" encoding="utf-8"?>
+<file path=ppt/slides/slide29.xml><?xml version="1.0" encoding="utf-8"?>
 <p:sld xmlns:a="http://schemas.openxmlformats.org/drawingml/2006/main" xmlns:r="http://schemas.openxmlformats.org/officeDocument/2006/relationships" xmlns:p="http://schemas.openxmlformats.org/presentationml/2006/main">
   <p:cSld>
     <p:spTree>
@@ -9260,10 +9421,10 @@
           <a:lstStyle/>
           <a:p>
             <a:r>
-              <a:rPr lang="en-US" sz="2800"/>
-              <a:t>Campaign segmentation </a:t>
-            </a:r>
-            <a:endParaRPr lang="he-IL" sz="2800"/>
+              <a:rPr lang="en-US" sz="2800" dirty="0"/>
+              <a:t>Campaign Segmentation </a:t>
+            </a:r>
+            <a:endParaRPr lang="he-IL" sz="2800" dirty="0"/>
           </a:p>
         </p:txBody>
       </p:sp>
@@ -9340,7 +9501,7 @@
           <a:p>
             <a:r>
               <a:rPr lang="en-US" sz="2800" dirty="0"/>
-              <a:t>Money raised </a:t>
+              <a:t>Money Raised </a:t>
             </a:r>
             <a:endParaRPr lang="en-US" sz="2600" dirty="0"/>
           </a:p>
@@ -9401,7 +9562,7 @@
           <a:p>
             <a:r>
               <a:rPr lang="en-US" dirty="0"/>
-              <a:t>Market reminder #2</a:t>
+              <a:t>Market Reminder #2</a:t>
             </a:r>
           </a:p>
         </p:txBody>
@@ -9428,7 +9589,7 @@
           <a:p>
             <a:r>
               <a:rPr lang="en-US" dirty="0"/>
-              <a:t>High goal=bad odds</a:t>
+              <a:t>High Goal==Bad Odds</a:t>
             </a:r>
             <a:endParaRPr lang="en-US" i="1" dirty="0"/>
           </a:p>
@@ -9722,7 +9883,7 @@
           <a:p>
             <a:r>
               <a:rPr lang="en-US" dirty="0"/>
-              <a:t>Ones you reach your goal- the founds increase</a:t>
+              <a:t>Once you reach your goal- the funds increase</a:t>
             </a:r>
             <a:endParaRPr lang="en-US" i="1" dirty="0"/>
           </a:p>
